--- a/Lectures/lec03-adder/lec03g-c_select_skip_adder.pptx
+++ b/Lectures/lec03-adder/lec03g-c_select_skip_adder.pptx
@@ -28,15 +28,14 @@
     <p:sldId id="276" r:id="rId22"/>
     <p:sldId id="277" r:id="rId23"/>
     <p:sldId id="278" r:id="rId24"/>
-    <p:sldId id="279" r:id="rId25"/>
-    <p:sldId id="281" r:id="rId26"/>
-    <p:sldId id="282" r:id="rId27"/>
-    <p:sldId id="283" r:id="rId28"/>
-    <p:sldId id="284" r:id="rId29"/>
-    <p:sldId id="285" r:id="rId30"/>
-    <p:sldId id="286" r:id="rId31"/>
-    <p:sldId id="288" r:id="rId32"/>
-    <p:sldId id="287" r:id="rId33"/>
+    <p:sldId id="281" r:id="rId25"/>
+    <p:sldId id="282" r:id="rId26"/>
+    <p:sldId id="283" r:id="rId27"/>
+    <p:sldId id="284" r:id="rId28"/>
+    <p:sldId id="285" r:id="rId29"/>
+    <p:sldId id="286" r:id="rId30"/>
+    <p:sldId id="288" r:id="rId31"/>
+    <p:sldId id="287" r:id="rId32"/>
   </p:sldIdLst>
   <p:sldSz cx="9144000" cy="6858000" type="screen4x3"/>
   <p:notesSz cx="6858000" cy="9144000"/>
@@ -182,6 +181,72 @@
     </p:ext>
   </p:extLst>
 </p:presentation>
+</file>
+
+<file path=ppt/changesInfos/changesInfo1.xml><?xml version="1.0" encoding="utf-8"?>
+<pc:chgInfo xmlns:a="http://schemas.openxmlformats.org/drawingml/2006/main" xmlns:r="http://schemas.openxmlformats.org/officeDocument/2006/relationships" xmlns:ac="http://schemas.microsoft.com/office/drawing/2013/main/command" xmlns:pc="http://schemas.microsoft.com/office/powerpoint/2013/main/command">
+  <pc:docChgLst>
+    <pc:chgData name="馬詠程" userId="S::d000004610@cgu.edu.tw::b588d9de-2d77-49e4-84f7-73e2c0a16ead" providerId="AD" clId="Web-{0B35CE07-2A88-4A74-9D44-46586D5DFDBD}"/>
+    <pc:docChg chg="delSld modSld">
+      <pc:chgData name="馬詠程" userId="S::d000004610@cgu.edu.tw::b588d9de-2d77-49e4-84f7-73e2c0a16ead" providerId="AD" clId="Web-{0B35CE07-2A88-4A74-9D44-46586D5DFDBD}" dt="2018-05-03T16:13:32.437" v="3"/>
+      <pc:docMkLst>
+        <pc:docMk/>
+      </pc:docMkLst>
+      <pc:sldChg chg="modSp">
+        <pc:chgData name="馬詠程" userId="S::d000004610@cgu.edu.tw::b588d9de-2d77-49e4-84f7-73e2c0a16ead" providerId="AD" clId="Web-{0B35CE07-2A88-4A74-9D44-46586D5DFDBD}" dt="2018-05-03T16:13:03.750" v="0"/>
+        <pc:sldMkLst>
+          <pc:docMk/>
+          <pc:sldMk cId="0" sldId="276"/>
+        </pc:sldMkLst>
+        <pc:spChg chg="mod">
+          <ac:chgData name="馬詠程" userId="S::d000004610@cgu.edu.tw::b588d9de-2d77-49e4-84f7-73e2c0a16ead" providerId="AD" clId="Web-{0B35CE07-2A88-4A74-9D44-46586D5DFDBD}" dt="2018-05-03T16:13:03.750" v="0"/>
+          <ac:spMkLst>
+            <pc:docMk/>
+            <pc:sldMk cId="0" sldId="276"/>
+            <ac:spMk id="23554" creationId="{00000000-0000-0000-0000-000000000000}"/>
+          </ac:spMkLst>
+        </pc:spChg>
+      </pc:sldChg>
+      <pc:sldChg chg="modSp">
+        <pc:chgData name="馬詠程" userId="S::d000004610@cgu.edu.tw::b588d9de-2d77-49e4-84f7-73e2c0a16ead" providerId="AD" clId="Web-{0B35CE07-2A88-4A74-9D44-46586D5DFDBD}" dt="2018-05-03T16:13:11.464" v="1"/>
+        <pc:sldMkLst>
+          <pc:docMk/>
+          <pc:sldMk cId="0" sldId="277"/>
+        </pc:sldMkLst>
+        <pc:spChg chg="mod">
+          <ac:chgData name="馬詠程" userId="S::d000004610@cgu.edu.tw::b588d9de-2d77-49e4-84f7-73e2c0a16ead" providerId="AD" clId="Web-{0B35CE07-2A88-4A74-9D44-46586D5DFDBD}" dt="2018-05-03T16:13:11.464" v="1"/>
+          <ac:spMkLst>
+            <pc:docMk/>
+            <pc:sldMk cId="0" sldId="277"/>
+            <ac:spMk id="24578" creationId="{00000000-0000-0000-0000-000000000000}"/>
+          </ac:spMkLst>
+        </pc:spChg>
+      </pc:sldChg>
+      <pc:sldChg chg="modSp">
+        <pc:chgData name="馬詠程" userId="S::d000004610@cgu.edu.tw::b588d9de-2d77-49e4-84f7-73e2c0a16ead" providerId="AD" clId="Web-{0B35CE07-2A88-4A74-9D44-46586D5DFDBD}" dt="2018-05-03T16:13:22.646" v="2"/>
+        <pc:sldMkLst>
+          <pc:docMk/>
+          <pc:sldMk cId="0" sldId="278"/>
+        </pc:sldMkLst>
+        <pc:spChg chg="mod">
+          <ac:chgData name="馬詠程" userId="S::d000004610@cgu.edu.tw::b588d9de-2d77-49e4-84f7-73e2c0a16ead" providerId="AD" clId="Web-{0B35CE07-2A88-4A74-9D44-46586D5DFDBD}" dt="2018-05-03T16:13:22.646" v="2"/>
+          <ac:spMkLst>
+            <pc:docMk/>
+            <pc:sldMk cId="0" sldId="278"/>
+            <ac:spMk id="25602" creationId="{00000000-0000-0000-0000-000000000000}"/>
+          </ac:spMkLst>
+        </pc:spChg>
+      </pc:sldChg>
+      <pc:sldChg chg="del">
+        <pc:chgData name="馬詠程" userId="S::d000004610@cgu.edu.tw::b588d9de-2d77-49e4-84f7-73e2c0a16ead" providerId="AD" clId="Web-{0B35CE07-2A88-4A74-9D44-46586D5DFDBD}" dt="2018-05-03T16:13:32.437" v="3"/>
+        <pc:sldMkLst>
+          <pc:docMk/>
+          <pc:sldMk cId="0" sldId="279"/>
+        </pc:sldMkLst>
+      </pc:sldChg>
+    </pc:docChg>
+  </pc:docChgLst>
+</pc:chgInfo>
 </file>
 
 <file path=ppt/slideLayouts/slideLayout1.xml><?xml version="1.0" encoding="utf-8"?>
@@ -1430,7 +1495,7 @@
           <a:p>
             <a:pPr lvl="0"/>
             <a:r>
-              <a:rPr lang="zh-TW" altLang="en-US" noProof="0" smtClean="0"/>
+              <a:rPr lang="zh-TW" altLang="en-US" noProof="0"/>
               <a:t>按一下以編輯母片標題樣式</a:t>
             </a:r>
           </a:p>
@@ -1464,7 +1529,7 @@
           <a:p>
             <a:pPr lvl="0"/>
             <a:r>
-              <a:rPr lang="zh-TW" altLang="en-US" noProof="0" smtClean="0"/>
+              <a:rPr lang="zh-TW" altLang="en-US" noProof="0"/>
               <a:t>按一下以編輯母片副標題樣式</a:t>
             </a:r>
           </a:p>
@@ -1628,10 +1693,9 @@
           <a:lstStyle/>
           <a:p>
             <a:r>
-              <a:rPr lang="zh-TW" altLang="en-US" smtClean="0"/>
+              <a:rPr lang="zh-TW" altLang="en-US"/>
               <a:t>按一下以編輯母片標題樣式</a:t>
             </a:r>
-            <a:endParaRPr lang="zh-TW" altLang="en-US"/>
           </a:p>
         </p:txBody>
       </p:sp>
@@ -1652,38 +1716,37 @@
           <a:p>
             <a:pPr lvl="0"/>
             <a:r>
-              <a:rPr lang="zh-TW" altLang="en-US" smtClean="0"/>
+              <a:rPr lang="zh-TW" altLang="en-US"/>
               <a:t>按一下以編輯母片文字樣式</a:t>
             </a:r>
           </a:p>
           <a:p>
             <a:pPr lvl="1"/>
             <a:r>
-              <a:rPr lang="zh-TW" altLang="en-US" smtClean="0"/>
+              <a:rPr lang="zh-TW" altLang="en-US"/>
               <a:t>第二層</a:t>
             </a:r>
           </a:p>
           <a:p>
             <a:pPr lvl="2"/>
             <a:r>
-              <a:rPr lang="zh-TW" altLang="en-US" smtClean="0"/>
+              <a:rPr lang="zh-TW" altLang="en-US"/>
               <a:t>第三層</a:t>
             </a:r>
           </a:p>
           <a:p>
             <a:pPr lvl="3"/>
             <a:r>
-              <a:rPr lang="zh-TW" altLang="en-US" smtClean="0"/>
+              <a:rPr lang="zh-TW" altLang="en-US"/>
               <a:t>第四層</a:t>
             </a:r>
           </a:p>
           <a:p>
             <a:pPr lvl="4"/>
             <a:r>
-              <a:rPr lang="zh-TW" altLang="en-US" smtClean="0"/>
+              <a:rPr lang="zh-TW" altLang="en-US"/>
               <a:t>第五層</a:t>
             </a:r>
-            <a:endParaRPr lang="zh-TW" altLang="en-US"/>
           </a:p>
         </p:txBody>
       </p:sp>
@@ -1829,10 +1892,9 @@
           <a:lstStyle/>
           <a:p>
             <a:r>
-              <a:rPr lang="zh-TW" altLang="en-US" smtClean="0"/>
+              <a:rPr lang="zh-TW" altLang="en-US"/>
               <a:t>按一下以編輯母片標題樣式</a:t>
             </a:r>
-            <a:endParaRPr lang="zh-TW" altLang="en-US"/>
           </a:p>
         </p:txBody>
       </p:sp>
@@ -1858,38 +1920,37 @@
           <a:p>
             <a:pPr lvl="0"/>
             <a:r>
-              <a:rPr lang="zh-TW" altLang="en-US" smtClean="0"/>
+              <a:rPr lang="zh-TW" altLang="en-US"/>
               <a:t>按一下以編輯母片文字樣式</a:t>
             </a:r>
           </a:p>
           <a:p>
             <a:pPr lvl="1"/>
             <a:r>
-              <a:rPr lang="zh-TW" altLang="en-US" smtClean="0"/>
+              <a:rPr lang="zh-TW" altLang="en-US"/>
               <a:t>第二層</a:t>
             </a:r>
           </a:p>
           <a:p>
             <a:pPr lvl="2"/>
             <a:r>
-              <a:rPr lang="zh-TW" altLang="en-US" smtClean="0"/>
+              <a:rPr lang="zh-TW" altLang="en-US"/>
               <a:t>第三層</a:t>
             </a:r>
           </a:p>
           <a:p>
             <a:pPr lvl="3"/>
             <a:r>
-              <a:rPr lang="zh-TW" altLang="en-US" smtClean="0"/>
+              <a:rPr lang="zh-TW" altLang="en-US"/>
               <a:t>第四層</a:t>
             </a:r>
           </a:p>
           <a:p>
             <a:pPr lvl="4"/>
             <a:r>
-              <a:rPr lang="zh-TW" altLang="en-US" smtClean="0"/>
+              <a:rPr lang="zh-TW" altLang="en-US"/>
               <a:t>第五層</a:t>
             </a:r>
-            <a:endParaRPr lang="zh-TW" altLang="en-US"/>
           </a:p>
         </p:txBody>
       </p:sp>
@@ -2030,10 +2091,9 @@
           <a:lstStyle/>
           <a:p>
             <a:r>
-              <a:rPr lang="zh-TW" altLang="en-US" smtClean="0"/>
+              <a:rPr lang="zh-TW" altLang="en-US"/>
               <a:t>按一下以編輯母片標題樣式</a:t>
             </a:r>
-            <a:endParaRPr lang="zh-TW" altLang="en-US"/>
           </a:p>
         </p:txBody>
       </p:sp>
@@ -2054,38 +2114,37 @@
           <a:p>
             <a:pPr lvl="0"/>
             <a:r>
-              <a:rPr lang="zh-TW" altLang="en-US" smtClean="0"/>
+              <a:rPr lang="zh-TW" altLang="en-US"/>
               <a:t>按一下以編輯母片文字樣式</a:t>
             </a:r>
           </a:p>
           <a:p>
             <a:pPr lvl="1"/>
             <a:r>
-              <a:rPr lang="zh-TW" altLang="en-US" smtClean="0"/>
+              <a:rPr lang="zh-TW" altLang="en-US"/>
               <a:t>第二層</a:t>
             </a:r>
           </a:p>
           <a:p>
             <a:pPr lvl="2"/>
             <a:r>
-              <a:rPr lang="zh-TW" altLang="en-US" smtClean="0"/>
+              <a:rPr lang="zh-TW" altLang="en-US"/>
               <a:t>第三層</a:t>
             </a:r>
           </a:p>
           <a:p>
             <a:pPr lvl="3"/>
             <a:r>
-              <a:rPr lang="zh-TW" altLang="en-US" smtClean="0"/>
+              <a:rPr lang="zh-TW" altLang="en-US"/>
               <a:t>第四層</a:t>
             </a:r>
           </a:p>
           <a:p>
             <a:pPr lvl="4"/>
             <a:r>
-              <a:rPr lang="zh-TW" altLang="en-US" smtClean="0"/>
+              <a:rPr lang="zh-TW" altLang="en-US"/>
               <a:t>第五層</a:t>
             </a:r>
-            <a:endParaRPr lang="zh-TW" altLang="en-US"/>
           </a:p>
         </p:txBody>
       </p:sp>
@@ -2235,10 +2294,9 @@
           </a:lstStyle>
           <a:p>
             <a:r>
-              <a:rPr lang="zh-TW" altLang="en-US" smtClean="0"/>
+              <a:rPr lang="zh-TW" altLang="en-US"/>
               <a:t>按一下以編輯母片標題樣式</a:t>
             </a:r>
-            <a:endParaRPr lang="zh-TW" altLang="en-US"/>
           </a:p>
         </p:txBody>
       </p:sp>
@@ -2301,7 +2359,7 @@
           <a:p>
             <a:pPr lvl="0"/>
             <a:r>
-              <a:rPr lang="zh-TW" altLang="en-US" smtClean="0"/>
+              <a:rPr lang="zh-TW" altLang="en-US"/>
               <a:t>按一下以編輯母片文字樣式</a:t>
             </a:r>
           </a:p>
@@ -2444,10 +2502,9 @@
           <a:lstStyle/>
           <a:p>
             <a:r>
-              <a:rPr lang="zh-TW" altLang="en-US" smtClean="0"/>
+              <a:rPr lang="zh-TW" altLang="en-US"/>
               <a:t>按一下以編輯母片標題樣式</a:t>
             </a:r>
-            <a:endParaRPr lang="zh-TW" altLang="en-US"/>
           </a:p>
         </p:txBody>
       </p:sp>
@@ -2473,38 +2530,37 @@
           <a:p>
             <a:pPr lvl="0"/>
             <a:r>
-              <a:rPr lang="zh-TW" altLang="en-US" smtClean="0"/>
+              <a:rPr lang="zh-TW" altLang="en-US"/>
               <a:t>按一下以編輯母片文字樣式</a:t>
             </a:r>
           </a:p>
           <a:p>
             <a:pPr lvl="1"/>
             <a:r>
-              <a:rPr lang="zh-TW" altLang="en-US" smtClean="0"/>
+              <a:rPr lang="zh-TW" altLang="en-US"/>
               <a:t>第二層</a:t>
             </a:r>
           </a:p>
           <a:p>
             <a:pPr lvl="2"/>
             <a:r>
-              <a:rPr lang="zh-TW" altLang="en-US" smtClean="0"/>
+              <a:rPr lang="zh-TW" altLang="en-US"/>
               <a:t>第三層</a:t>
             </a:r>
           </a:p>
           <a:p>
             <a:pPr lvl="3"/>
             <a:r>
-              <a:rPr lang="zh-TW" altLang="en-US" smtClean="0"/>
+              <a:rPr lang="zh-TW" altLang="en-US"/>
               <a:t>第四層</a:t>
             </a:r>
           </a:p>
           <a:p>
             <a:pPr lvl="4"/>
             <a:r>
-              <a:rPr lang="zh-TW" altLang="en-US" smtClean="0"/>
+              <a:rPr lang="zh-TW" altLang="en-US"/>
               <a:t>第五層</a:t>
             </a:r>
-            <a:endParaRPr lang="zh-TW" altLang="en-US"/>
           </a:p>
         </p:txBody>
       </p:sp>
@@ -2530,38 +2586,37 @@
           <a:p>
             <a:pPr lvl="0"/>
             <a:r>
-              <a:rPr lang="zh-TW" altLang="en-US" smtClean="0"/>
+              <a:rPr lang="zh-TW" altLang="en-US"/>
               <a:t>按一下以編輯母片文字樣式</a:t>
             </a:r>
           </a:p>
           <a:p>
             <a:pPr lvl="1"/>
             <a:r>
-              <a:rPr lang="zh-TW" altLang="en-US" smtClean="0"/>
+              <a:rPr lang="zh-TW" altLang="en-US"/>
               <a:t>第二層</a:t>
             </a:r>
           </a:p>
           <a:p>
             <a:pPr lvl="2"/>
             <a:r>
-              <a:rPr lang="zh-TW" altLang="en-US" smtClean="0"/>
+              <a:rPr lang="zh-TW" altLang="en-US"/>
               <a:t>第三層</a:t>
             </a:r>
           </a:p>
           <a:p>
             <a:pPr lvl="3"/>
             <a:r>
-              <a:rPr lang="zh-TW" altLang="en-US" smtClean="0"/>
+              <a:rPr lang="zh-TW" altLang="en-US"/>
               <a:t>第四層</a:t>
             </a:r>
           </a:p>
           <a:p>
             <a:pPr lvl="4"/>
             <a:r>
-              <a:rPr lang="zh-TW" altLang="en-US" smtClean="0"/>
+              <a:rPr lang="zh-TW" altLang="en-US"/>
               <a:t>第五層</a:t>
             </a:r>
-            <a:endParaRPr lang="zh-TW" altLang="en-US"/>
           </a:p>
         </p:txBody>
       </p:sp>
@@ -2707,10 +2762,9 @@
           <a:lstStyle/>
           <a:p>
             <a:r>
-              <a:rPr lang="zh-TW" altLang="en-US" smtClean="0"/>
+              <a:rPr lang="zh-TW" altLang="en-US"/>
               <a:t>按一下以編輯母片標題樣式</a:t>
             </a:r>
-            <a:endParaRPr lang="zh-TW" altLang="en-US"/>
           </a:p>
         </p:txBody>
       </p:sp>
@@ -2773,7 +2827,7 @@
           <a:p>
             <a:pPr lvl="0"/>
             <a:r>
-              <a:rPr lang="zh-TW" altLang="en-US" smtClean="0"/>
+              <a:rPr lang="zh-TW" altLang="en-US"/>
               <a:t>按一下以編輯母片文字樣式</a:t>
             </a:r>
           </a:p>
@@ -2801,38 +2855,37 @@
           <a:p>
             <a:pPr lvl="0"/>
             <a:r>
-              <a:rPr lang="zh-TW" altLang="en-US" smtClean="0"/>
+              <a:rPr lang="zh-TW" altLang="en-US"/>
               <a:t>按一下以編輯母片文字樣式</a:t>
             </a:r>
           </a:p>
           <a:p>
             <a:pPr lvl="1"/>
             <a:r>
-              <a:rPr lang="zh-TW" altLang="en-US" smtClean="0"/>
+              <a:rPr lang="zh-TW" altLang="en-US"/>
               <a:t>第二層</a:t>
             </a:r>
           </a:p>
           <a:p>
             <a:pPr lvl="2"/>
             <a:r>
-              <a:rPr lang="zh-TW" altLang="en-US" smtClean="0"/>
+              <a:rPr lang="zh-TW" altLang="en-US"/>
               <a:t>第三層</a:t>
             </a:r>
           </a:p>
           <a:p>
             <a:pPr lvl="3"/>
             <a:r>
-              <a:rPr lang="zh-TW" altLang="en-US" smtClean="0"/>
+              <a:rPr lang="zh-TW" altLang="en-US"/>
               <a:t>第四層</a:t>
             </a:r>
           </a:p>
           <a:p>
             <a:pPr lvl="4"/>
             <a:r>
-              <a:rPr lang="zh-TW" altLang="en-US" smtClean="0"/>
+              <a:rPr lang="zh-TW" altLang="en-US"/>
               <a:t>第五層</a:t>
             </a:r>
-            <a:endParaRPr lang="zh-TW" altLang="en-US"/>
           </a:p>
         </p:txBody>
       </p:sp>
@@ -2895,7 +2948,7 @@
           <a:p>
             <a:pPr lvl="0"/>
             <a:r>
-              <a:rPr lang="zh-TW" altLang="en-US" smtClean="0"/>
+              <a:rPr lang="zh-TW" altLang="en-US"/>
               <a:t>按一下以編輯母片文字樣式</a:t>
             </a:r>
           </a:p>
@@ -2923,38 +2976,37 @@
           <a:p>
             <a:pPr lvl="0"/>
             <a:r>
-              <a:rPr lang="zh-TW" altLang="en-US" smtClean="0"/>
+              <a:rPr lang="zh-TW" altLang="en-US"/>
               <a:t>按一下以編輯母片文字樣式</a:t>
             </a:r>
           </a:p>
           <a:p>
             <a:pPr lvl="1"/>
             <a:r>
-              <a:rPr lang="zh-TW" altLang="en-US" smtClean="0"/>
+              <a:rPr lang="zh-TW" altLang="en-US"/>
               <a:t>第二層</a:t>
             </a:r>
           </a:p>
           <a:p>
             <a:pPr lvl="2"/>
             <a:r>
-              <a:rPr lang="zh-TW" altLang="en-US" smtClean="0"/>
+              <a:rPr lang="zh-TW" altLang="en-US"/>
               <a:t>第三層</a:t>
             </a:r>
           </a:p>
           <a:p>
             <a:pPr lvl="3"/>
             <a:r>
-              <a:rPr lang="zh-TW" altLang="en-US" smtClean="0"/>
+              <a:rPr lang="zh-TW" altLang="en-US"/>
               <a:t>第四層</a:t>
             </a:r>
           </a:p>
           <a:p>
             <a:pPr lvl="4"/>
             <a:r>
-              <a:rPr lang="zh-TW" altLang="en-US" smtClean="0"/>
+              <a:rPr lang="zh-TW" altLang="en-US"/>
               <a:t>第五層</a:t>
             </a:r>
-            <a:endParaRPr lang="zh-TW" altLang="en-US"/>
           </a:p>
         </p:txBody>
       </p:sp>
@@ -3095,10 +3147,9 @@
           <a:lstStyle/>
           <a:p>
             <a:r>
-              <a:rPr lang="zh-TW" altLang="en-US" smtClean="0"/>
+              <a:rPr lang="zh-TW" altLang="en-US"/>
               <a:t>按一下以編輯母片標題樣式</a:t>
             </a:r>
-            <a:endParaRPr lang="zh-TW" altLang="en-US"/>
           </a:p>
         </p:txBody>
       </p:sp>
@@ -3369,10 +3420,9 @@
           </a:lstStyle>
           <a:p>
             <a:r>
-              <a:rPr lang="zh-TW" altLang="en-US" smtClean="0"/>
+              <a:rPr lang="zh-TW" altLang="en-US"/>
               <a:t>按一下以編輯母片標題樣式</a:t>
             </a:r>
-            <a:endParaRPr lang="zh-TW" altLang="en-US"/>
           </a:p>
         </p:txBody>
       </p:sp>
@@ -3426,38 +3476,37 @@
           <a:p>
             <a:pPr lvl="0"/>
             <a:r>
-              <a:rPr lang="zh-TW" altLang="en-US" smtClean="0"/>
+              <a:rPr lang="zh-TW" altLang="en-US"/>
               <a:t>按一下以編輯母片文字樣式</a:t>
             </a:r>
           </a:p>
           <a:p>
             <a:pPr lvl="1"/>
             <a:r>
-              <a:rPr lang="zh-TW" altLang="en-US" smtClean="0"/>
+              <a:rPr lang="zh-TW" altLang="en-US"/>
               <a:t>第二層</a:t>
             </a:r>
           </a:p>
           <a:p>
             <a:pPr lvl="2"/>
             <a:r>
-              <a:rPr lang="zh-TW" altLang="en-US" smtClean="0"/>
+              <a:rPr lang="zh-TW" altLang="en-US"/>
               <a:t>第三層</a:t>
             </a:r>
           </a:p>
           <a:p>
             <a:pPr lvl="3"/>
             <a:r>
-              <a:rPr lang="zh-TW" altLang="en-US" smtClean="0"/>
+              <a:rPr lang="zh-TW" altLang="en-US"/>
               <a:t>第四層</a:t>
             </a:r>
           </a:p>
           <a:p>
             <a:pPr lvl="4"/>
             <a:r>
-              <a:rPr lang="zh-TW" altLang="en-US" smtClean="0"/>
+              <a:rPr lang="zh-TW" altLang="en-US"/>
               <a:t>第五層</a:t>
             </a:r>
-            <a:endParaRPr lang="zh-TW" altLang="en-US"/>
           </a:p>
         </p:txBody>
       </p:sp>
@@ -3520,7 +3569,7 @@
           <a:p>
             <a:pPr lvl="0"/>
             <a:r>
-              <a:rPr lang="zh-TW" altLang="en-US" smtClean="0"/>
+              <a:rPr lang="zh-TW" altLang="en-US"/>
               <a:t>按一下以編輯母片文字樣式</a:t>
             </a:r>
           </a:p>
@@ -3672,10 +3721,9 @@
           </a:lstStyle>
           <a:p>
             <a:r>
-              <a:rPr lang="zh-TW" altLang="en-US" smtClean="0"/>
+              <a:rPr lang="zh-TW" altLang="en-US"/>
               <a:t>按一下以編輯母片標題樣式</a:t>
             </a:r>
-            <a:endParaRPr lang="zh-TW" altLang="en-US"/>
           </a:p>
         </p:txBody>
       </p:sp>
@@ -3737,7 +3785,7 @@
           </a:lstStyle>
           <a:p>
             <a:pPr lvl="0"/>
-            <a:endParaRPr lang="zh-TW" altLang="en-US" noProof="0" smtClean="0"/>
+            <a:endParaRPr lang="zh-TW" altLang="en-US" noProof="0"/>
           </a:p>
         </p:txBody>
       </p:sp>
@@ -3800,7 +3848,7 @@
           <a:p>
             <a:pPr lvl="0"/>
             <a:r>
-              <a:rPr lang="zh-TW" altLang="en-US" smtClean="0"/>
+              <a:rPr lang="zh-TW" altLang="en-US"/>
               <a:t>按一下以編輯母片文字樣式</a:t>
             </a:r>
           </a:p>
@@ -5149,7 +5197,7 @@
           <a:p>
             <a:pPr lvl="0"/>
             <a:r>
-              <a:rPr lang="zh-TW" altLang="en-US" smtClean="0"/>
+              <a:rPr lang="zh-TW" altLang="en-US"/>
               <a:t>按一下以編輯母片標題樣式</a:t>
             </a:r>
           </a:p>
@@ -5217,35 +5265,35 @@
           <a:p>
             <a:pPr lvl="0"/>
             <a:r>
-              <a:rPr lang="zh-TW" altLang="en-US" smtClean="0"/>
+              <a:rPr lang="zh-TW" altLang="en-US"/>
               <a:t>按一下以編輯母片</a:t>
             </a:r>
           </a:p>
           <a:p>
             <a:pPr lvl="1"/>
             <a:r>
-              <a:rPr lang="zh-TW" altLang="en-US" smtClean="0"/>
+              <a:rPr lang="zh-TW" altLang="en-US"/>
               <a:t>第二層</a:t>
             </a:r>
           </a:p>
           <a:p>
             <a:pPr lvl="2"/>
             <a:r>
-              <a:rPr lang="zh-TW" altLang="en-US" smtClean="0"/>
+              <a:rPr lang="zh-TW" altLang="en-US"/>
               <a:t>第三層</a:t>
             </a:r>
           </a:p>
           <a:p>
             <a:pPr lvl="3"/>
             <a:r>
-              <a:rPr lang="zh-TW" altLang="en-US" smtClean="0"/>
+              <a:rPr lang="zh-TW" altLang="en-US"/>
               <a:t>第四層</a:t>
             </a:r>
           </a:p>
           <a:p>
             <a:pPr lvl="4"/>
             <a:r>
-              <a:rPr lang="zh-TW" altLang="en-US" smtClean="0"/>
+              <a:rPr lang="zh-TW" altLang="en-US"/>
               <a:t>第五層</a:t>
             </a:r>
           </a:p>
@@ -5951,7 +5999,7 @@
           <a:p>
             <a:pPr eaLnBrk="1" hangingPunct="1"/>
             <a:r>
-              <a:rPr lang="en-US" altLang="zh-TW" smtClean="0"/>
+              <a:rPr lang="en-US" altLang="zh-TW"/>
               <a:t>Carry-Select and Carry-Skip Adders</a:t>
             </a:r>
           </a:p>
@@ -5973,7 +6021,7 @@
           <a:lstStyle/>
           <a:p>
             <a:pPr eaLnBrk="1" hangingPunct="1"/>
-            <a:endParaRPr lang="zh-TW" altLang="zh-TW" smtClean="0"/>
+            <a:endParaRPr lang="zh-TW" altLang="zh-TW"/>
           </a:p>
         </p:txBody>
       </p:sp>
@@ -6142,21 +6190,8 @@
             <a:pPr eaLnBrk="1" hangingPunct="1"/>
             <a:r>
               <a:rPr lang="en-US" altLang="zh-TW" sz="3200" u="sng" dirty="0"/>
-              <a:t>Lecture </a:t>
+              <a:t>Lecture 03 (Part G)</a:t>
             </a:r>
-            <a:r>
-              <a:rPr lang="en-US" altLang="zh-TW" sz="3200" u="sng" dirty="0" smtClean="0"/>
-              <a:t>03 </a:t>
-            </a:r>
-            <a:r>
-              <a:rPr lang="en-US" altLang="zh-TW" sz="3200" u="sng" dirty="0"/>
-              <a:t>(Part </a:t>
-            </a:r>
-            <a:r>
-              <a:rPr lang="en-US" altLang="zh-TW" sz="3200" u="sng" dirty="0" smtClean="0"/>
-              <a:t>G)</a:t>
-            </a:r>
-            <a:endParaRPr lang="en-US" altLang="zh-TW" sz="3200" u="sng" dirty="0"/>
           </a:p>
         </p:txBody>
       </p:sp>
@@ -6202,7 +6237,7 @@
           <a:p>
             <a:pPr eaLnBrk="1" hangingPunct="1"/>
             <a:r>
-              <a:rPr lang="en-US" altLang="zh-TW" smtClean="0"/>
+              <a:rPr lang="en-US" altLang="zh-TW"/>
               <a:t>Analogy</a:t>
             </a:r>
           </a:p>
@@ -6224,7 +6259,7 @@
           <a:graphicData uri="http://schemas.openxmlformats.org/presentationml/2006/ole">
             <mc:AlternateContent xmlns:mc="http://schemas.openxmlformats.org/markup-compatibility/2006">
               <mc:Choice xmlns:v="urn:schemas-microsoft-com:vml" Requires="v">
-                <p:oleObj spid="_x0000_s12297" r:id="rId3" imgW="4991100" imgH="1400175" progId="MSDraw.Drawing.8.2">
+                <p:oleObj spid="_x0000_s12301" r:id="rId3" imgW="4991100" imgH="1400175" progId="MSDraw.Drawing.8.2">
                   <p:embed/>
                 </p:oleObj>
               </mc:Choice>
@@ -6307,7 +6342,7 @@
           <a:graphicData uri="http://schemas.openxmlformats.org/presentationml/2006/ole">
             <mc:AlternateContent xmlns:mc="http://schemas.openxmlformats.org/markup-compatibility/2006">
               <mc:Choice xmlns:v="urn:schemas-microsoft-com:vml" Requires="v">
-                <p:oleObj spid="_x0000_s12298" r:id="rId5" imgW="5486400" imgH="1600200" progId="MSDraw.Drawing.8.2">
+                <p:oleObj spid="_x0000_s12302" r:id="rId5" imgW="5486400" imgH="1600200" progId="MSDraw.Drawing.8.2">
                   <p:embed/>
                 </p:oleObj>
               </mc:Choice>
@@ -6416,7 +6451,7 @@
           <a:p>
             <a:pPr eaLnBrk="1" hangingPunct="1"/>
             <a:r>
-              <a:rPr lang="en-US" altLang="zh-TW" smtClean="0"/>
+              <a:rPr lang="en-US" altLang="zh-TW"/>
               <a:t>In-Class Exercise: What’s the Boolean equation?</a:t>
             </a:r>
           </a:p>
@@ -6777,7 +6812,7 @@
           <a:graphicData uri="http://schemas.openxmlformats.org/presentationml/2006/ole">
             <mc:AlternateContent xmlns:mc="http://schemas.openxmlformats.org/markup-compatibility/2006">
               <mc:Choice xmlns:v="urn:schemas-microsoft-com:vml" Requires="v">
-                <p:oleObj spid="_x0000_s13320" r:id="rId3" imgW="5600700" imgH="2143125" progId="MSDraw.Drawing.8.2">
+                <p:oleObj spid="_x0000_s13322" r:id="rId3" imgW="5600700" imgH="2143125" progId="MSDraw.Drawing.8.2">
                   <p:embed/>
                 </p:oleObj>
               </mc:Choice>
@@ -6849,13 +6884,6 @@
   <p:clrMapOvr>
     <a:masterClrMapping/>
   </p:clrMapOvr>
-  <p:timing>
-    <p:tnLst>
-      <p:par>
-        <p:cTn id="1" dur="indefinite" restart="never" nodeType="tmRoot"/>
-      </p:par>
-    </p:tnLst>
-  </p:timing>
 </p:sld>
 </file>
 
@@ -6893,7 +6921,7 @@
           <a:p>
             <a:pPr eaLnBrk="1" hangingPunct="1"/>
             <a:r>
-              <a:rPr lang="en-US" altLang="zh-TW" smtClean="0"/>
+              <a:rPr lang="en-US" altLang="zh-TW"/>
               <a:t>Multi-level carry-skip adder</a:t>
             </a:r>
           </a:p>
@@ -6921,7 +6949,7 @@
           <a:p>
             <a:pPr eaLnBrk="1" hangingPunct="1"/>
             <a:r>
-              <a:rPr lang="en-US" altLang="zh-TW" smtClean="0"/>
+              <a:rPr lang="en-US" altLang="zh-TW"/>
               <a:t>detailed derivation is left to you</a:t>
             </a:r>
           </a:p>
@@ -7110,7 +7138,7 @@
           <a:graphicData uri="http://schemas.openxmlformats.org/presentationml/2006/ole">
             <mc:AlternateContent xmlns:mc="http://schemas.openxmlformats.org/markup-compatibility/2006">
               <mc:Choice xmlns:v="urn:schemas-microsoft-com:vml" Requires="v">
-                <p:oleObj spid="_x0000_s14351" r:id="rId3" imgW="4857750" imgH="752475" progId="MSDraw.Drawing.8.2">
+                <p:oleObj spid="_x0000_s14355" r:id="rId3" imgW="4857750" imgH="752475" progId="MSDraw.Drawing.8.2">
                   <p:embed/>
                 </p:oleObj>
               </mc:Choice>
@@ -7563,7 +7591,7 @@
             <a:graphicData uri="http://schemas.openxmlformats.org/presentationml/2006/ole">
               <mc:AlternateContent xmlns:mc="http://schemas.openxmlformats.org/markup-compatibility/2006">
                 <mc:Choice xmlns:v="urn:schemas-microsoft-com:vml" Requires="v">
-                  <p:oleObj spid="_x0000_s14352" r:id="rId5" imgW="4857750" imgH="1143000" progId="MSDraw.Drawing.8.2">
+                  <p:oleObj spid="_x0000_s14356" r:id="rId5" imgW="4857750" imgH="1143000" progId="MSDraw.Drawing.8.2">
                     <p:embed/>
                   </p:oleObj>
                 </mc:Choice>
@@ -7923,7 +7951,7 @@
           <a:p>
             <a:pPr eaLnBrk="1" hangingPunct="1"/>
             <a:r>
-              <a:rPr lang="en-US" altLang="zh-TW" smtClean="0"/>
+              <a:rPr lang="en-US" altLang="zh-TW"/>
               <a:t>Carry-Select Adder</a:t>
             </a:r>
           </a:p>
@@ -7945,7 +7973,7 @@
           <a:lstStyle/>
           <a:p>
             <a:pPr eaLnBrk="1" hangingPunct="1"/>
-            <a:endParaRPr lang="zh-TW" altLang="zh-TW" smtClean="0"/>
+            <a:endParaRPr lang="zh-TW" altLang="zh-TW"/>
           </a:p>
         </p:txBody>
       </p:sp>
@@ -7991,7 +8019,7 @@
           <a:p>
             <a:pPr eaLnBrk="1" hangingPunct="1"/>
             <a:r>
-              <a:rPr lang="en-US" altLang="zh-TW" smtClean="0"/>
+              <a:rPr lang="en-US" altLang="zh-TW"/>
               <a:t>Scheme of carry-select adder</a:t>
             </a:r>
           </a:p>
@@ -8023,7 +8051,7 @@
               </a:lnSpc>
             </a:pPr>
             <a:r>
-              <a:rPr lang="en-US" altLang="zh-TW" sz="2800" smtClean="0"/>
+              <a:rPr lang="en-US" altLang="zh-TW" sz="2800"/>
               <a:t>do the addition without carry sent!</a:t>
             </a:r>
           </a:p>
@@ -8045,7 +8073,7 @@
           <a:graphicData uri="http://schemas.openxmlformats.org/presentationml/2006/ole">
             <mc:AlternateContent xmlns:mc="http://schemas.openxmlformats.org/markup-compatibility/2006">
               <mc:Choice xmlns:v="urn:schemas-microsoft-com:vml" Requires="v">
-                <p:oleObj spid="_x0000_s16392" r:id="rId3" imgW="2943225" imgH="2047875" progId="MSDraw.Drawing.8.2">
+                <p:oleObj spid="_x0000_s16394" r:id="rId3" imgW="2943225" imgH="2047875" progId="MSDraw.Drawing.8.2">
                   <p:embed/>
                 </p:oleObj>
               </mc:Choice>
@@ -8375,7 +8403,7 @@
           <a:p>
             <a:pPr eaLnBrk="1" hangingPunct="1"/>
             <a:r>
-              <a:rPr lang="en-US" altLang="zh-TW" smtClean="0"/>
+              <a:rPr lang="en-US" altLang="zh-TW"/>
               <a:t>Multi-level carry-select adder</a:t>
             </a:r>
           </a:p>
@@ -8403,7 +8431,7 @@
           <a:p>
             <a:pPr eaLnBrk="1" hangingPunct="1"/>
             <a:r>
-              <a:rPr lang="en-US" altLang="zh-TW" smtClean="0"/>
+              <a:rPr lang="en-US" altLang="zh-TW"/>
               <a:t>Derive the design yourself</a:t>
             </a:r>
           </a:p>
@@ -8425,7 +8453,7 @@
           <a:graphicData uri="http://schemas.openxmlformats.org/presentationml/2006/ole">
             <mc:AlternateContent xmlns:mc="http://schemas.openxmlformats.org/markup-compatibility/2006">
               <mc:Choice xmlns:v="urn:schemas-microsoft-com:vml" Requires="v">
-                <p:oleObj spid="_x0000_s17416" r:id="rId3" imgW="4972050" imgH="2600325" progId="MSDraw.Drawing.8.2">
+                <p:oleObj spid="_x0000_s17418" r:id="rId3" imgW="4972050" imgH="2600325" progId="MSDraw.Drawing.8.2">
                   <p:embed/>
                 </p:oleObj>
               </mc:Choice>
@@ -8728,7 +8756,7 @@
           <a:p>
             <a:pPr eaLnBrk="1" hangingPunct="1"/>
             <a:r>
-              <a:rPr lang="en-US" altLang="zh-TW" smtClean="0"/>
+              <a:rPr lang="en-US" altLang="zh-TW"/>
               <a:t>Summary of adder design</a:t>
             </a:r>
           </a:p>
@@ -8751,7 +8779,7 @@
           <a:p>
             <a:pPr eaLnBrk="1" hangingPunct="1"/>
             <a:r>
-              <a:rPr lang="en-US" altLang="zh-TW" smtClean="0"/>
+              <a:rPr lang="en-US" altLang="zh-TW"/>
               <a:t>finally we finished this part!</a:t>
             </a:r>
           </a:p>
@@ -8799,7 +8827,7 @@
           <a:p>
             <a:pPr eaLnBrk="1" hangingPunct="1"/>
             <a:r>
-              <a:rPr lang="en-US" altLang="zh-TW" smtClean="0"/>
+              <a:rPr lang="en-US" altLang="zh-TW"/>
               <a:t>How to design a fast adder</a:t>
             </a:r>
           </a:p>
@@ -8831,7 +8859,7 @@
               </a:lnSpc>
             </a:pPr>
             <a:r>
-              <a:rPr lang="en-US" altLang="zh-TW" smtClean="0"/>
+              <a:rPr lang="en-US" altLang="zh-TW"/>
               <a:t>various architectures to reduce the carry-chain</a:t>
             </a:r>
           </a:p>
@@ -8842,7 +8870,7 @@
               </a:lnSpc>
             </a:pPr>
             <a:r>
-              <a:rPr lang="en-US" altLang="zh-TW" smtClean="0"/>
+              <a:rPr lang="en-US" altLang="zh-TW"/>
               <a:t>Chap. 6: Carry-lookahead adders</a:t>
             </a:r>
           </a:p>
@@ -8853,7 +8881,7 @@
               </a:lnSpc>
             </a:pPr>
             <a:r>
-              <a:rPr lang="en-US" altLang="zh-TW" smtClean="0"/>
+              <a:rPr lang="en-US" altLang="zh-TW"/>
               <a:t>hierarchical</a:t>
             </a:r>
           </a:p>
@@ -8864,7 +8892,7 @@
               </a:lnSpc>
             </a:pPr>
             <a:r>
-              <a:rPr lang="en-US" altLang="zh-TW" smtClean="0"/>
+              <a:rPr lang="en-US" altLang="zh-TW"/>
               <a:t>prefix computation</a:t>
             </a:r>
           </a:p>
@@ -8875,7 +8903,7 @@
               </a:lnSpc>
             </a:pPr>
             <a:r>
-              <a:rPr lang="en-US" altLang="zh-TW" smtClean="0"/>
+              <a:rPr lang="en-US" altLang="zh-TW"/>
               <a:t>Chap. 7:</a:t>
             </a:r>
           </a:p>
@@ -8886,7 +8914,7 @@
               </a:lnSpc>
             </a:pPr>
             <a:r>
-              <a:rPr lang="en-US" altLang="zh-TW" smtClean="0"/>
+              <a:rPr lang="en-US" altLang="zh-TW"/>
               <a:t>carry-skip adders</a:t>
             </a:r>
           </a:p>
@@ -8897,7 +8925,7 @@
               </a:lnSpc>
             </a:pPr>
             <a:r>
-              <a:rPr lang="en-US" altLang="zh-TW" smtClean="0"/>
+              <a:rPr lang="en-US" altLang="zh-TW"/>
               <a:t>carry-select adders</a:t>
             </a:r>
           </a:p>
@@ -9756,13 +9784,6 @@
   <p:clrMapOvr>
     <a:masterClrMapping/>
   </p:clrMapOvr>
-  <p:timing>
-    <p:tnLst>
-      <p:par>
-        <p:cTn id="1" dur="indefinite" restart="never" nodeType="tmRoot"/>
-      </p:par>
-    </p:tnLst>
-  </p:timing>
 </p:sld>
 </file>
 
@@ -9800,7 +9821,7 @@
           <a:p>
             <a:pPr eaLnBrk="1" hangingPunct="1"/>
             <a:r>
-              <a:rPr lang="en-US" altLang="zh-TW" smtClean="0"/>
+              <a:rPr lang="en-US" altLang="zh-TW"/>
               <a:t>How to design a fast adder</a:t>
             </a:r>
           </a:p>
@@ -9828,21 +9849,21 @@
           <a:p>
             <a:pPr eaLnBrk="1" hangingPunct="1"/>
             <a:r>
-              <a:rPr lang="en-US" altLang="zh-TW" smtClean="0"/>
+              <a:rPr lang="en-US" altLang="zh-TW"/>
               <a:t>asynchronous circuit design</a:t>
             </a:r>
           </a:p>
           <a:p>
             <a:pPr lvl="1" eaLnBrk="1" hangingPunct="1"/>
             <a:r>
-              <a:rPr lang="en-US" altLang="zh-TW" smtClean="0"/>
+              <a:rPr lang="en-US" altLang="zh-TW"/>
               <a:t>Sec. 5.3-5.4</a:t>
             </a:r>
           </a:p>
           <a:p>
             <a:pPr lvl="1" eaLnBrk="1" hangingPunct="1"/>
             <a:r>
-              <a:rPr lang="en-US" altLang="zh-TW" smtClean="0"/>
+              <a:rPr lang="en-US" altLang="zh-TW"/>
               <a:t>(skip)</a:t>
             </a:r>
           </a:p>
@@ -10684,13 +10705,6 @@
   <p:clrMapOvr>
     <a:masterClrMapping/>
   </p:clrMapOvr>
-  <p:timing>
-    <p:tnLst>
-      <p:par>
-        <p:cTn id="1" dur="indefinite" restart="never" nodeType="tmRoot"/>
-      </p:par>
-    </p:tnLst>
-  </p:timing>
 </p:sld>
 </file>
 
@@ -10728,7 +10742,7 @@
           <a:p>
             <a:pPr eaLnBrk="1" hangingPunct="1"/>
             <a:r>
-              <a:rPr lang="en-US" altLang="zh-TW" smtClean="0"/>
+              <a:rPr lang="en-US" altLang="zh-TW"/>
               <a:t>How to design a fast adder</a:t>
             </a:r>
           </a:p>
@@ -10756,25 +10770,25 @@
           <a:p>
             <a:pPr eaLnBrk="1" hangingPunct="1"/>
             <a:r>
-              <a:rPr lang="en-US" altLang="zh-TW" smtClean="0"/>
+              <a:rPr lang="en-US" altLang="zh-TW"/>
               <a:t>Manchester carry-chain (Sec. 5.6)</a:t>
             </a:r>
           </a:p>
           <a:p>
             <a:pPr lvl="1" eaLnBrk="1" hangingPunct="1"/>
             <a:r>
-              <a:rPr lang="en-US" altLang="zh-TW" smtClean="0"/>
+              <a:rPr lang="en-US" altLang="zh-TW"/>
               <a:t>a dynamic circuit technique</a:t>
             </a:r>
           </a:p>
           <a:p>
             <a:pPr eaLnBrk="1" hangingPunct="1"/>
-            <a:endParaRPr lang="en-US" altLang="zh-TW" smtClean="0"/>
+            <a:endParaRPr lang="en-US" altLang="zh-TW"/>
           </a:p>
           <a:p>
             <a:pPr eaLnBrk="1" hangingPunct="1"/>
             <a:r>
-              <a:rPr lang="en-US" altLang="zh-TW" smtClean="0"/>
+              <a:rPr lang="en-US" altLang="zh-TW"/>
               <a:t>dual-rail logic network</a:t>
             </a:r>
           </a:p>
@@ -11633,13 +11647,6 @@
   <p:clrMapOvr>
     <a:masterClrMapping/>
   </p:clrMapOvr>
-  <p:timing>
-    <p:tnLst>
-      <p:par>
-        <p:cTn id="1" dur="indefinite" restart="never" nodeType="tmRoot"/>
-      </p:par>
-    </p:tnLst>
-  </p:timing>
 </p:sld>
 </file>
 
@@ -11677,7 +11684,7 @@
           <a:p>
             <a:pPr eaLnBrk="1" hangingPunct="1"/>
             <a:r>
-              <a:rPr lang="en-US" altLang="zh-TW" smtClean="0"/>
+              <a:rPr lang="en-US" altLang="zh-TW"/>
               <a:t>The core problem</a:t>
             </a:r>
           </a:p>
@@ -11705,14 +11712,14 @@
           <a:p>
             <a:pPr eaLnBrk="1" hangingPunct="1"/>
             <a:r>
-              <a:rPr lang="en-US" altLang="zh-TW" smtClean="0"/>
+              <a:rPr lang="en-US" altLang="zh-TW"/>
               <a:t>Q: How to design a fast n-bit adder?</a:t>
             </a:r>
           </a:p>
           <a:p>
             <a:pPr lvl="1" eaLnBrk="1" hangingPunct="1"/>
             <a:r>
-              <a:rPr lang="en-US" altLang="zh-TW" smtClean="0"/>
+              <a:rPr lang="en-US" altLang="zh-TW"/>
               <a:t>attach the O(n) carry-chain delay</a:t>
             </a:r>
           </a:p>
@@ -11787,13 +11794,6 @@
   <p:clrMapOvr>
     <a:masterClrMapping/>
   </p:clrMapOvr>
-  <p:timing>
-    <p:tnLst>
-      <p:par>
-        <p:cTn id="1" dur="indefinite" restart="never" nodeType="tmRoot"/>
-      </p:par>
-    </p:tnLst>
-  </p:timing>
 </p:sld>
 </file>
 
@@ -11831,7 +11831,7 @@
           <a:p>
             <a:pPr eaLnBrk="1" hangingPunct="1"/>
             <a:r>
-              <a:rPr lang="en-US" altLang="zh-TW" smtClean="0"/>
+              <a:rPr lang="en-US" altLang="zh-TW"/>
               <a:t>Skipped part</a:t>
             </a:r>
           </a:p>
@@ -11854,22 +11854,22 @@
           <a:p>
             <a:pPr eaLnBrk="1" hangingPunct="1"/>
             <a:r>
-              <a:rPr lang="en-US" altLang="zh-TW" smtClean="0"/>
+              <a:rPr lang="en-US" altLang="zh-TW"/>
               <a:t>Chap. 8: Multi-Operand Addition</a:t>
             </a:r>
           </a:p>
           <a:p>
             <a:pPr eaLnBrk="1" hangingPunct="1"/>
-            <a:endParaRPr lang="en-US" altLang="zh-TW" smtClean="0"/>
+            <a:endParaRPr lang="en-US" altLang="zh-TW"/>
           </a:p>
           <a:p>
             <a:pPr eaLnBrk="1" hangingPunct="1"/>
-            <a:endParaRPr lang="en-US" altLang="zh-TW" smtClean="0"/>
+            <a:endParaRPr lang="en-US" altLang="zh-TW"/>
           </a:p>
           <a:p>
             <a:pPr lvl="1" eaLnBrk="1" hangingPunct="1"/>
             <a:r>
-              <a:rPr lang="en-US" altLang="zh-TW" smtClean="0"/>
+              <a:rPr lang="en-US" altLang="zh-TW"/>
               <a:t>we will talk about this at multiplier design</a:t>
             </a:r>
           </a:p>
@@ -11891,7 +11891,7 @@
           <a:graphicData uri="http://schemas.openxmlformats.org/presentationml/2006/ole">
             <mc:AlternateContent xmlns:mc="http://schemas.openxmlformats.org/markup-compatibility/2006">
               <mc:Choice xmlns:v="urn:schemas-microsoft-com:vml" Requires="v">
-                <p:oleObj spid="_x0000_s22535" name="方程式" r:id="rId3" imgW="596900" imgH="431800" progId="Equation.3">
+                <p:oleObj spid="_x0000_s22537" name="方程式" r:id="rId3" imgW="596900" imgH="431800" progId="Equation.3">
                   <p:embed/>
                 </p:oleObj>
               </mc:Choice>
@@ -12010,8 +12010,8 @@
           <a:p>
             <a:pPr eaLnBrk="1" hangingPunct="1"/>
             <a:r>
-              <a:rPr lang="en-US" altLang="zh-TW" smtClean="0"/>
-              <a:t>Lab 02</a:t>
+              <a:rPr lang="en-US" altLang="zh-TW" dirty="0"/>
+              <a:t>Lab 03</a:t>
             </a:r>
           </a:p>
         </p:txBody>
@@ -12033,7 +12033,7 @@
           <a:p>
             <a:pPr eaLnBrk="1" hangingPunct="1"/>
             <a:r>
-              <a:rPr lang="en-US" altLang="zh-TW" smtClean="0"/>
+              <a:rPr lang="en-US" altLang="zh-TW"/>
               <a:t>128-bit adder</a:t>
             </a:r>
           </a:p>
@@ -12081,8 +12081,8 @@
           <a:p>
             <a:pPr eaLnBrk="1" hangingPunct="1"/>
             <a:r>
-              <a:rPr lang="en-US" altLang="zh-TW" smtClean="0"/>
-              <a:t>Lab 02</a:t>
+              <a:rPr lang="en-US" altLang="zh-TW" dirty="0"/>
+              <a:t>Lab 03</a:t>
             </a:r>
           </a:p>
         </p:txBody>
@@ -12108,7 +12108,7 @@
               </a:lnSpc>
             </a:pPr>
             <a:r>
-              <a:rPr lang="en-US" altLang="zh-TW" sz="2400" smtClean="0"/>
+              <a:rPr lang="en-US" altLang="zh-TW" sz="2400"/>
               <a:t>Design a 128-bit adder</a:t>
             </a:r>
           </a:p>
@@ -12119,7 +12119,7 @@
               </a:lnSpc>
             </a:pPr>
             <a:r>
-              <a:rPr lang="en-US" altLang="zh-TW" sz="2400" smtClean="0"/>
+              <a:rPr lang="en-US" altLang="zh-TW" sz="2400"/>
               <a:t>Design optimization: critical path delay as short as possible</a:t>
             </a:r>
           </a:p>
@@ -12130,7 +12130,7 @@
               </a:lnSpc>
             </a:pPr>
             <a:r>
-              <a:rPr lang="en-US" altLang="zh-TW" sz="2400" smtClean="0">
+              <a:rPr lang="en-US" altLang="zh-TW" sz="2400">
                 <a:solidFill>
                   <a:schemeClr val="hlink"/>
                 </a:solidFill>
@@ -12144,7 +12144,7 @@
                 <a:spcPct val="90000"/>
               </a:lnSpc>
             </a:pPr>
-            <a:endParaRPr lang="en-US" altLang="zh-TW" sz="2400" smtClean="0"/>
+            <a:endParaRPr lang="en-US" altLang="zh-TW" sz="2400"/>
           </a:p>
           <a:p>
             <a:pPr eaLnBrk="1" hangingPunct="1">
@@ -12153,7 +12153,7 @@
               </a:lnSpc>
             </a:pPr>
             <a:r>
-              <a:rPr lang="en-US" altLang="zh-TW" sz="2400" smtClean="0"/>
+              <a:rPr lang="en-US" altLang="zh-TW" sz="2400"/>
               <a:t>Grading:</a:t>
             </a:r>
           </a:p>
@@ -12164,7 +12164,7 @@
               </a:lnSpc>
             </a:pPr>
             <a:r>
-              <a:rPr lang="en-US" altLang="zh-TW" sz="2000" smtClean="0"/>
+              <a:rPr lang="en-US" altLang="zh-TW" sz="2000"/>
               <a:t>70%: basic requirement (simulation waveform, synthesis result, timing and area report)</a:t>
             </a:r>
           </a:p>
@@ -12175,7 +12175,7 @@
               </a:lnSpc>
             </a:pPr>
             <a:r>
-              <a:rPr lang="en-US" altLang="zh-TW" sz="2000" smtClean="0"/>
+              <a:rPr lang="en-US" altLang="zh-TW" sz="2000"/>
               <a:t>15%: critical path delay (ranking)</a:t>
             </a:r>
           </a:p>
@@ -12186,7 +12186,7 @@
               </a:lnSpc>
             </a:pPr>
             <a:r>
-              <a:rPr lang="en-US" altLang="zh-TW" sz="2000" smtClean="0"/>
+              <a:rPr lang="en-US" altLang="zh-TW" sz="2000"/>
               <a:t>15%: your report (How you shorten the critical path delay)</a:t>
             </a:r>
           </a:p>
@@ -12234,8 +12234,8 @@
           <a:p>
             <a:pPr eaLnBrk="1" hangingPunct="1"/>
             <a:r>
-              <a:rPr lang="en-US" altLang="zh-TW" smtClean="0"/>
-              <a:t>Your report for Lab 02</a:t>
+              <a:rPr lang="en-US" altLang="zh-TW" dirty="0"/>
+              <a:t>Your report for Lab 03</a:t>
             </a:r>
           </a:p>
         </p:txBody>
@@ -12257,39 +12257,39 @@
           <a:p>
             <a:pPr eaLnBrk="1" hangingPunct="1"/>
             <a:r>
-              <a:rPr lang="en-US" altLang="zh-TW" smtClean="0"/>
+              <a:rPr lang="en-US" altLang="zh-TW"/>
               <a:t>block diagram of your final design</a:t>
             </a:r>
           </a:p>
           <a:p>
             <a:pPr eaLnBrk="1" hangingPunct="1"/>
-            <a:endParaRPr lang="en-US" altLang="zh-TW" smtClean="0"/>
+            <a:endParaRPr lang="en-US" altLang="zh-TW"/>
           </a:p>
           <a:p>
             <a:pPr eaLnBrk="1" hangingPunct="1"/>
             <a:r>
-              <a:rPr lang="en-US" altLang="zh-TW" smtClean="0"/>
+              <a:rPr lang="en-US" altLang="zh-TW"/>
               <a:t>How you optimize your design</a:t>
             </a:r>
           </a:p>
           <a:p>
             <a:pPr lvl="1" eaLnBrk="1" hangingPunct="1"/>
             <a:r>
-              <a:rPr lang="en-US" altLang="zh-TW" smtClean="0"/>
+              <a:rPr lang="en-US" altLang="zh-TW"/>
               <a:t>which style of adder you select? Why?</a:t>
             </a:r>
           </a:p>
           <a:p>
             <a:pPr lvl="1" eaLnBrk="1" hangingPunct="1"/>
             <a:r>
-              <a:rPr lang="en-US" altLang="zh-TW" smtClean="0"/>
+              <a:rPr lang="en-US" altLang="zh-TW"/>
               <a:t>how you optimize the design parameters?</a:t>
             </a:r>
           </a:p>
           <a:p>
             <a:pPr lvl="1" eaLnBrk="1" hangingPunct="1"/>
             <a:r>
-              <a:rPr lang="en-US" altLang="zh-TW" smtClean="0">
+              <a:rPr lang="en-US" altLang="zh-TW">
                 <a:solidFill>
                   <a:schemeClr val="hlink"/>
                 </a:solidFill>
@@ -12297,7 +12297,7 @@
               <a:t>quantitative</a:t>
             </a:r>
             <a:r>
-              <a:rPr lang="en-US" altLang="zh-TW" smtClean="0"/>
+              <a:rPr lang="en-US" altLang="zh-TW"/>
               <a:t> reasoning is preferred!</a:t>
             </a:r>
           </a:p>
@@ -12312,92 +12312,6 @@
 </file>
 
 <file path=ppt/slides/slide24.xml><?xml version="1.0" encoding="utf-8"?>
-<p:sld xmlns:a="http://schemas.openxmlformats.org/drawingml/2006/main" xmlns:r="http://schemas.openxmlformats.org/officeDocument/2006/relationships" xmlns:p="http://schemas.openxmlformats.org/presentationml/2006/main">
-  <p:cSld>
-    <p:spTree>
-      <p:nvGrpSpPr>
-        <p:cNvPr id="1" name=""/>
-        <p:cNvGrpSpPr/>
-        <p:nvPr/>
-      </p:nvGrpSpPr>
-      <p:grpSpPr>
-        <a:xfrm>
-          <a:off x="0" y="0"/>
-          <a:ext cx="0" cy="0"/>
-          <a:chOff x="0" y="0"/>
-          <a:chExt cx="0" cy="0"/>
-        </a:xfrm>
-      </p:grpSpPr>
-      <p:sp>
-        <p:nvSpPr>
-          <p:cNvPr id="26626" name="Rectangle 2"/>
-          <p:cNvSpPr>
-            <a:spLocks noGrp="1" noChangeArrowheads="1"/>
-          </p:cNvSpPr>
-          <p:nvPr>
-            <p:ph type="title"/>
-          </p:nvPr>
-        </p:nvSpPr>
-        <p:spPr/>
-        <p:txBody>
-          <a:bodyPr/>
-          <a:lstStyle/>
-          <a:p>
-            <a:pPr eaLnBrk="1" hangingPunct="1"/>
-            <a:r>
-              <a:rPr lang="en-US" altLang="zh-TW" smtClean="0"/>
-              <a:t>Schedule</a:t>
-            </a:r>
-          </a:p>
-        </p:txBody>
-      </p:sp>
-      <p:sp>
-        <p:nvSpPr>
-          <p:cNvPr id="26627" name="Rectangle 3"/>
-          <p:cNvSpPr>
-            <a:spLocks noGrp="1" noChangeArrowheads="1"/>
-          </p:cNvSpPr>
-          <p:nvPr>
-            <p:ph type="body" idx="1"/>
-          </p:nvPr>
-        </p:nvSpPr>
-        <p:spPr/>
-        <p:txBody>
-          <a:bodyPr/>
-          <a:lstStyle/>
-          <a:p>
-            <a:pPr eaLnBrk="1" hangingPunct="1"/>
-            <a:r>
-              <a:rPr lang="en-US" altLang="zh-TW" smtClean="0"/>
-              <a:t>05/19: the lab hour</a:t>
-            </a:r>
-          </a:p>
-          <a:p>
-            <a:pPr eaLnBrk="1" hangingPunct="1"/>
-            <a:r>
-              <a:rPr lang="en-US" altLang="zh-TW" smtClean="0"/>
-              <a:t>05/22: </a:t>
-            </a:r>
-            <a:r>
-              <a:rPr lang="en-US" altLang="zh-TW" smtClean="0">
-                <a:solidFill>
-                  <a:schemeClr val="hlink"/>
-                </a:solidFill>
-              </a:rPr>
-              <a:t>DEMO</a:t>
-            </a:r>
-          </a:p>
-        </p:txBody>
-      </p:sp>
-    </p:spTree>
-  </p:cSld>
-  <p:clrMapOvr>
-    <a:masterClrMapping/>
-  </p:clrMapOvr>
-</p:sld>
-</file>
-
-<file path=ppt/slides/slide25.xml><?xml version="1.0" encoding="utf-8"?>
 <p:sld xmlns:a="http://schemas.openxmlformats.org/drawingml/2006/main" xmlns:r="http://schemas.openxmlformats.org/officeDocument/2006/relationships" xmlns:p="http://schemas.openxmlformats.org/presentationml/2006/main">
   <p:cSld>
     <p:spTree>
@@ -12431,7 +12345,7 @@
           <a:p>
             <a:pPr eaLnBrk="1" hangingPunct="1"/>
             <a:r>
-              <a:rPr lang="en-US" altLang="zh-TW" smtClean="0"/>
+              <a:rPr lang="en-US" altLang="zh-TW"/>
               <a:t>False path</a:t>
             </a:r>
           </a:p>
@@ -12453,7 +12367,7 @@
           <a:lstStyle/>
           <a:p>
             <a:pPr eaLnBrk="1" hangingPunct="1"/>
-            <a:endParaRPr lang="zh-TW" altLang="zh-TW" smtClean="0"/>
+            <a:endParaRPr lang="zh-TW" altLang="zh-TW"/>
           </a:p>
         </p:txBody>
       </p:sp>
@@ -12635,7 +12549,7 @@
 </p:sld>
 </file>
 
-<file path=ppt/slides/slide26.xml><?xml version="1.0" encoding="utf-8"?>
+<file path=ppt/slides/slide25.xml><?xml version="1.0" encoding="utf-8"?>
 <p:sld xmlns:a="http://schemas.openxmlformats.org/drawingml/2006/main" xmlns:r="http://schemas.openxmlformats.org/officeDocument/2006/relationships" xmlns:p="http://schemas.openxmlformats.org/presentationml/2006/main">
   <p:cSld>
     <p:spTree>
@@ -12669,7 +12583,7 @@
           <a:p>
             <a:pPr eaLnBrk="1" hangingPunct="1"/>
             <a:r>
-              <a:rPr lang="en-US" altLang="zh-TW" smtClean="0"/>
+              <a:rPr lang="en-US" altLang="zh-TW"/>
               <a:t>Q: max. clock rate of this circuit?</a:t>
             </a:r>
           </a:p>
@@ -12701,7 +12615,7 @@
               </a:lnSpc>
             </a:pPr>
             <a:r>
-              <a:rPr lang="en-US" altLang="zh-TW" sz="2800" smtClean="0"/>
+              <a:rPr lang="en-US" altLang="zh-TW" sz="2800"/>
               <a:t>Assume: 10ns delay for MUX/AND/OR</a:t>
             </a:r>
           </a:p>
@@ -12769,7 +12683,7 @@
 </p:sld>
 </file>
 
-<file path=ppt/slides/slide27.xml><?xml version="1.0" encoding="utf-8"?>
+<file path=ppt/slides/slide26.xml><?xml version="1.0" encoding="utf-8"?>
 <p:sld xmlns:a="http://schemas.openxmlformats.org/drawingml/2006/main" xmlns:r="http://schemas.openxmlformats.org/officeDocument/2006/relationships" xmlns:p="http://schemas.openxmlformats.org/presentationml/2006/main">
   <p:cSld>
     <p:spTree>
@@ -12803,7 +12717,7 @@
           <a:p>
             <a:pPr eaLnBrk="1" hangingPunct="1"/>
             <a:r>
-              <a:rPr lang="en-US" altLang="zh-TW" smtClean="0"/>
+              <a:rPr lang="en-US" altLang="zh-TW"/>
               <a:t>Q: max. clock rate of this circuit?</a:t>
             </a:r>
           </a:p>
@@ -12831,18 +12745,18 @@
           <a:p>
             <a:pPr eaLnBrk="1" hangingPunct="1"/>
             <a:r>
-              <a:rPr lang="en-US" altLang="zh-TW" sz="2400" smtClean="0"/>
+              <a:rPr lang="en-US" altLang="zh-TW" sz="2400"/>
               <a:t>Assume: 10ns delay for MUX/AND/OR</a:t>
             </a:r>
           </a:p>
           <a:p>
             <a:pPr eaLnBrk="1" hangingPunct="1"/>
-            <a:endParaRPr lang="en-US" altLang="zh-TW" sz="2400" smtClean="0"/>
+            <a:endParaRPr lang="en-US" altLang="zh-TW" sz="2400"/>
           </a:p>
           <a:p>
             <a:pPr eaLnBrk="1" hangingPunct="1"/>
             <a:r>
-              <a:rPr lang="en-US" altLang="zh-TW" sz="2400" smtClean="0">
+              <a:rPr lang="en-US" altLang="zh-TW" sz="2400">
                 <a:solidFill>
                   <a:schemeClr val="hlink"/>
                 </a:solidFill>
@@ -13205,7 +13119,7 @@
 </p:sld>
 </file>
 
-<file path=ppt/slides/slide28.xml><?xml version="1.0" encoding="utf-8"?>
+<file path=ppt/slides/slide27.xml><?xml version="1.0" encoding="utf-8"?>
 <p:sld xmlns:a="http://schemas.openxmlformats.org/drawingml/2006/main" xmlns:r="http://schemas.openxmlformats.org/officeDocument/2006/relationships" xmlns:p="http://schemas.openxmlformats.org/presentationml/2006/main">
   <p:cSld>
     <p:spTree>
@@ -13239,7 +13153,7 @@
           <a:p>
             <a:pPr eaLnBrk="1" hangingPunct="1"/>
             <a:r>
-              <a:rPr lang="en-US" altLang="zh-TW" smtClean="0"/>
+              <a:rPr lang="en-US" altLang="zh-TW"/>
               <a:t>Q: max. clock rate of this circuit?</a:t>
             </a:r>
           </a:p>
@@ -13267,25 +13181,25 @@
           <a:p>
             <a:pPr eaLnBrk="1" hangingPunct="1"/>
             <a:r>
-              <a:rPr lang="en-US" altLang="zh-TW" sz="2400" smtClean="0"/>
+              <a:rPr lang="en-US" altLang="zh-TW" sz="2400"/>
               <a:t>Assume: 10ns delay for MUX/AND/OR</a:t>
             </a:r>
           </a:p>
           <a:p>
             <a:pPr eaLnBrk="1" hangingPunct="1"/>
-            <a:endParaRPr lang="en-US" altLang="zh-TW" sz="2400" smtClean="0"/>
+            <a:endParaRPr lang="en-US" altLang="zh-TW" sz="2400"/>
           </a:p>
           <a:p>
             <a:pPr eaLnBrk="1" hangingPunct="1"/>
             <a:r>
-              <a:rPr lang="en-US" altLang="zh-TW" sz="2400" smtClean="0"/>
+              <a:rPr lang="en-US" altLang="zh-TW" sz="2400"/>
               <a:t>Let’s do some case by case analysis</a:t>
             </a:r>
           </a:p>
           <a:p>
             <a:pPr lvl="1" eaLnBrk="1" hangingPunct="1"/>
             <a:r>
-              <a:rPr lang="en-US" altLang="zh-TW" sz="2000" smtClean="0">
+              <a:rPr lang="en-US" altLang="zh-TW" sz="2000">
                 <a:solidFill>
                   <a:schemeClr val="hlink"/>
                 </a:solidFill>
@@ -13296,7 +13210,7 @@
           <a:p>
             <a:pPr lvl="1" eaLnBrk="1" hangingPunct="1"/>
             <a:r>
-              <a:rPr lang="en-US" altLang="zh-TW" sz="2000" smtClean="0"/>
+              <a:rPr lang="en-US" altLang="zh-TW" sz="2000"/>
               <a:t>s=0</a:t>
             </a:r>
           </a:p>
@@ -13688,7 +13602,7 @@
 </p:sld>
 </file>
 
-<file path=ppt/slides/slide29.xml><?xml version="1.0" encoding="utf-8"?>
+<file path=ppt/slides/slide28.xml><?xml version="1.0" encoding="utf-8"?>
 <p:sld xmlns:a="http://schemas.openxmlformats.org/drawingml/2006/main" xmlns:r="http://schemas.openxmlformats.org/officeDocument/2006/relationships" xmlns:p="http://schemas.openxmlformats.org/presentationml/2006/main">
   <p:cSld>
     <p:spTree>
@@ -13722,7 +13636,7 @@
           <a:p>
             <a:pPr eaLnBrk="1" hangingPunct="1"/>
             <a:r>
-              <a:rPr lang="en-US" altLang="zh-TW" smtClean="0"/>
+              <a:rPr lang="en-US" altLang="zh-TW"/>
               <a:t>Q: max. clock rate of this circuit?</a:t>
             </a:r>
           </a:p>
@@ -13750,32 +13664,32 @@
           <a:p>
             <a:pPr eaLnBrk="1" hangingPunct="1"/>
             <a:r>
-              <a:rPr lang="en-US" altLang="zh-TW" sz="2400" smtClean="0"/>
+              <a:rPr lang="en-US" altLang="zh-TW" sz="2400"/>
               <a:t>Assume: 10ns delay for MUX/AND/OR</a:t>
             </a:r>
           </a:p>
           <a:p>
             <a:pPr eaLnBrk="1" hangingPunct="1"/>
-            <a:endParaRPr lang="en-US" altLang="zh-TW" sz="2400" smtClean="0"/>
+            <a:endParaRPr lang="en-US" altLang="zh-TW" sz="2400"/>
           </a:p>
           <a:p>
             <a:pPr eaLnBrk="1" hangingPunct="1"/>
             <a:r>
-              <a:rPr lang="en-US" altLang="zh-TW" sz="2400" smtClean="0"/>
+              <a:rPr lang="en-US" altLang="zh-TW" sz="2400"/>
               <a:t>Let’s do some case by case analysis</a:t>
             </a:r>
           </a:p>
           <a:p>
             <a:pPr lvl="1" eaLnBrk="1" hangingPunct="1"/>
             <a:r>
-              <a:rPr lang="en-US" altLang="zh-TW" sz="2000" smtClean="0"/>
+              <a:rPr lang="en-US" altLang="zh-TW" sz="2000"/>
               <a:t>s=1</a:t>
             </a:r>
           </a:p>
           <a:p>
             <a:pPr lvl="1" eaLnBrk="1" hangingPunct="1"/>
             <a:r>
-              <a:rPr lang="en-US" altLang="zh-TW" sz="2000" smtClean="0">
+              <a:rPr lang="en-US" altLang="zh-TW" sz="2000">
                 <a:solidFill>
                   <a:schemeClr val="hlink"/>
                 </a:solidFill>
@@ -14171,75 +14085,7 @@
 </p:sld>
 </file>
 
-<file path=ppt/slides/slide3.xml><?xml version="1.0" encoding="utf-8"?>
-<p:sld xmlns:a="http://schemas.openxmlformats.org/drawingml/2006/main" xmlns:r="http://schemas.openxmlformats.org/officeDocument/2006/relationships" xmlns:p="http://schemas.openxmlformats.org/presentationml/2006/main">
-  <p:cSld>
-    <p:spTree>
-      <p:nvGrpSpPr>
-        <p:cNvPr id="1" name=""/>
-        <p:cNvGrpSpPr/>
-        <p:nvPr/>
-      </p:nvGrpSpPr>
-      <p:grpSpPr>
-        <a:xfrm>
-          <a:off x="0" y="0"/>
-          <a:ext cx="0" cy="0"/>
-          <a:chOff x="0" y="0"/>
-          <a:chExt cx="0" cy="0"/>
-        </a:xfrm>
-      </p:grpSpPr>
-      <p:sp>
-        <p:nvSpPr>
-          <p:cNvPr id="5122" name="Rectangle 4"/>
-          <p:cNvSpPr>
-            <a:spLocks noGrp="1" noChangeArrowheads="1"/>
-          </p:cNvSpPr>
-          <p:nvPr>
-            <p:ph type="ctrTitle"/>
-          </p:nvPr>
-        </p:nvSpPr>
-        <p:spPr/>
-        <p:txBody>
-          <a:bodyPr/>
-          <a:lstStyle/>
-          <a:p>
-            <a:pPr eaLnBrk="1" hangingPunct="1"/>
-            <a:r>
-              <a:rPr lang="en-US" altLang="zh-TW" smtClean="0"/>
-              <a:t>Carry-skip adder</a:t>
-            </a:r>
-          </a:p>
-        </p:txBody>
-      </p:sp>
-      <p:sp>
-        <p:nvSpPr>
-          <p:cNvPr id="5123" name="Rectangle 5"/>
-          <p:cNvSpPr>
-            <a:spLocks noGrp="1" noChangeArrowheads="1"/>
-          </p:cNvSpPr>
-          <p:nvPr>
-            <p:ph type="subTitle" idx="1"/>
-          </p:nvPr>
-        </p:nvSpPr>
-        <p:spPr/>
-        <p:txBody>
-          <a:bodyPr/>
-          <a:lstStyle/>
-          <a:p>
-            <a:pPr eaLnBrk="1" hangingPunct="1"/>
-            <a:endParaRPr lang="zh-TW" altLang="zh-TW" smtClean="0"/>
-          </a:p>
-        </p:txBody>
-      </p:sp>
-    </p:spTree>
-  </p:cSld>
-  <p:clrMapOvr>
-    <a:masterClrMapping/>
-  </p:clrMapOvr>
-</p:sld>
-</file>
-
-<file path=ppt/slides/slide30.xml><?xml version="1.0" encoding="utf-8"?>
+<file path=ppt/slides/slide29.xml><?xml version="1.0" encoding="utf-8"?>
 <p:sld xmlns:a="http://schemas.openxmlformats.org/drawingml/2006/main" xmlns:r="http://schemas.openxmlformats.org/officeDocument/2006/relationships" xmlns:p="http://schemas.openxmlformats.org/presentationml/2006/main">
   <p:cSld>
     <p:spTree>
@@ -14273,7 +14119,7 @@
           <a:p>
             <a:pPr eaLnBrk="1" hangingPunct="1"/>
             <a:r>
-              <a:rPr lang="en-US" altLang="zh-TW" smtClean="0"/>
+              <a:rPr lang="en-US" altLang="zh-TW"/>
               <a:t>Q: max. clock rate of this circuit?</a:t>
             </a:r>
           </a:p>
@@ -14301,18 +14147,18 @@
           <a:p>
             <a:pPr eaLnBrk="1" hangingPunct="1"/>
             <a:r>
-              <a:rPr lang="en-US" altLang="zh-TW" sz="2400" smtClean="0"/>
+              <a:rPr lang="en-US" altLang="zh-TW" sz="2400"/>
               <a:t>Assume: 10ns delay for MUX/AND/OR</a:t>
             </a:r>
           </a:p>
           <a:p>
             <a:pPr eaLnBrk="1" hangingPunct="1"/>
-            <a:endParaRPr lang="en-US" altLang="zh-TW" sz="2400" smtClean="0"/>
+            <a:endParaRPr lang="en-US" altLang="zh-TW" sz="2400"/>
           </a:p>
           <a:p>
             <a:pPr eaLnBrk="1" hangingPunct="1"/>
             <a:r>
-              <a:rPr lang="en-US" altLang="zh-TW" sz="2400" smtClean="0">
+              <a:rPr lang="en-US" altLang="zh-TW" sz="2400">
                 <a:solidFill>
                   <a:schemeClr val="hlink"/>
                 </a:solidFill>
@@ -14675,7 +14521,75 @@
 </p:sld>
 </file>
 
-<file path=ppt/slides/slide31.xml><?xml version="1.0" encoding="utf-8"?>
+<file path=ppt/slides/slide3.xml><?xml version="1.0" encoding="utf-8"?>
+<p:sld xmlns:a="http://schemas.openxmlformats.org/drawingml/2006/main" xmlns:r="http://schemas.openxmlformats.org/officeDocument/2006/relationships" xmlns:p="http://schemas.openxmlformats.org/presentationml/2006/main">
+  <p:cSld>
+    <p:spTree>
+      <p:nvGrpSpPr>
+        <p:cNvPr id="1" name=""/>
+        <p:cNvGrpSpPr/>
+        <p:nvPr/>
+      </p:nvGrpSpPr>
+      <p:grpSpPr>
+        <a:xfrm>
+          <a:off x="0" y="0"/>
+          <a:ext cx="0" cy="0"/>
+          <a:chOff x="0" y="0"/>
+          <a:chExt cx="0" cy="0"/>
+        </a:xfrm>
+      </p:grpSpPr>
+      <p:sp>
+        <p:nvSpPr>
+          <p:cNvPr id="5122" name="Rectangle 4"/>
+          <p:cNvSpPr>
+            <a:spLocks noGrp="1" noChangeArrowheads="1"/>
+          </p:cNvSpPr>
+          <p:nvPr>
+            <p:ph type="ctrTitle"/>
+          </p:nvPr>
+        </p:nvSpPr>
+        <p:spPr/>
+        <p:txBody>
+          <a:bodyPr/>
+          <a:lstStyle/>
+          <a:p>
+            <a:pPr eaLnBrk="1" hangingPunct="1"/>
+            <a:r>
+              <a:rPr lang="en-US" altLang="zh-TW"/>
+              <a:t>Carry-skip adder</a:t>
+            </a:r>
+          </a:p>
+        </p:txBody>
+      </p:sp>
+      <p:sp>
+        <p:nvSpPr>
+          <p:cNvPr id="5123" name="Rectangle 5"/>
+          <p:cNvSpPr>
+            <a:spLocks noGrp="1" noChangeArrowheads="1"/>
+          </p:cNvSpPr>
+          <p:nvPr>
+            <p:ph type="subTitle" idx="1"/>
+          </p:nvPr>
+        </p:nvSpPr>
+        <p:spPr/>
+        <p:txBody>
+          <a:bodyPr/>
+          <a:lstStyle/>
+          <a:p>
+            <a:pPr eaLnBrk="1" hangingPunct="1"/>
+            <a:endParaRPr lang="zh-TW" altLang="zh-TW"/>
+          </a:p>
+        </p:txBody>
+      </p:sp>
+    </p:spTree>
+  </p:cSld>
+  <p:clrMapOvr>
+    <a:masterClrMapping/>
+  </p:clrMapOvr>
+</p:sld>
+</file>
+
+<file path=ppt/slides/slide30.xml><?xml version="1.0" encoding="utf-8"?>
 <p:sld xmlns:a="http://schemas.openxmlformats.org/drawingml/2006/main" xmlns:r="http://schemas.openxmlformats.org/officeDocument/2006/relationships" xmlns:p="http://schemas.openxmlformats.org/presentationml/2006/main">
   <p:cSld>
     <p:spTree>
@@ -14709,7 +14623,7 @@
           <a:p>
             <a:pPr eaLnBrk="1" hangingPunct="1"/>
             <a:r>
-              <a:rPr lang="en-US" altLang="zh-TW" smtClean="0"/>
+              <a:rPr lang="en-US" altLang="zh-TW"/>
               <a:t>Advanced reading</a:t>
             </a:r>
           </a:p>
@@ -14736,7 +14650,7 @@
               </a:lnSpc>
             </a:pPr>
             <a:r>
-              <a:rPr lang="en-US" altLang="zh-TW" sz="2800" smtClean="0"/>
+              <a:rPr lang="en-US" altLang="zh-TW" sz="2800"/>
               <a:t>How to find the false path automatically?</a:t>
             </a:r>
           </a:p>
@@ -14746,7 +14660,7 @@
                 <a:spcPct val="90000"/>
               </a:lnSpc>
             </a:pPr>
-            <a:endParaRPr lang="en-US" altLang="zh-TW" sz="2800" smtClean="0"/>
+            <a:endParaRPr lang="en-US" altLang="zh-TW" sz="2800"/>
           </a:p>
           <a:p>
             <a:pPr eaLnBrk="1" hangingPunct="1">
@@ -14755,7 +14669,7 @@
               </a:lnSpc>
             </a:pPr>
             <a:r>
-              <a:rPr lang="en-US" altLang="zh-TW" sz="2800" smtClean="0"/>
+              <a:rPr lang="en-US" altLang="zh-TW" sz="2800"/>
               <a:t>an active research topic in VLSI design automation</a:t>
             </a:r>
           </a:p>
@@ -14765,7 +14679,7 @@
                 <a:spcPct val="90000"/>
               </a:lnSpc>
             </a:pPr>
-            <a:endParaRPr lang="en-US" altLang="zh-TW" sz="2800" smtClean="0"/>
+            <a:endParaRPr lang="en-US" altLang="zh-TW" sz="2800"/>
           </a:p>
           <a:p>
             <a:pPr eaLnBrk="1" hangingPunct="1">
@@ -14774,7 +14688,7 @@
               </a:lnSpc>
             </a:pPr>
             <a:r>
-              <a:rPr lang="en-US" altLang="zh-TW" sz="2800" smtClean="0"/>
+              <a:rPr lang="en-US" altLang="zh-TW" sz="2800"/>
               <a:t>search for the database</a:t>
             </a:r>
           </a:p>
@@ -14785,16 +14699,16 @@
               </a:lnSpc>
             </a:pPr>
             <a:r>
-              <a:rPr lang="en-US" altLang="zh-TW" sz="2400" smtClean="0"/>
+              <a:rPr lang="en-US" altLang="zh-TW" sz="2400"/>
               <a:t>IEEE Explore: </a:t>
             </a:r>
             <a:r>
-              <a:rPr lang="en-US" altLang="zh-TW" sz="2400" smtClean="0">
+              <a:rPr lang="en-US" altLang="zh-TW" sz="2400">
                 <a:hlinkClick r:id="rId2"/>
               </a:rPr>
               <a:t>http://ieeexplore.ieee.org</a:t>
             </a:r>
-            <a:endParaRPr lang="en-US" altLang="zh-TW" sz="2400" smtClean="0"/>
+            <a:endParaRPr lang="en-US" altLang="zh-TW" sz="2400"/>
           </a:p>
           <a:p>
             <a:pPr lvl="1" eaLnBrk="1" hangingPunct="1">
@@ -14803,16 +14717,16 @@
               </a:lnSpc>
             </a:pPr>
             <a:r>
-              <a:rPr lang="en-US" altLang="zh-TW" sz="2400" smtClean="0"/>
+              <a:rPr lang="en-US" altLang="zh-TW" sz="2400"/>
               <a:t>ACM portal: </a:t>
             </a:r>
             <a:r>
-              <a:rPr lang="en-US" altLang="zh-TW" sz="2400" smtClean="0">
+              <a:rPr lang="en-US" altLang="zh-TW" sz="2400">
                 <a:hlinkClick r:id="rId3"/>
               </a:rPr>
               <a:t>http://portal.acm.org</a:t>
             </a:r>
-            <a:endParaRPr lang="en-US" altLang="zh-TW" sz="2400" smtClean="0"/>
+            <a:endParaRPr lang="en-US" altLang="zh-TW" sz="2400"/>
           </a:p>
           <a:p>
             <a:pPr lvl="1" eaLnBrk="1" hangingPunct="1">
@@ -14821,7 +14735,7 @@
               </a:lnSpc>
             </a:pPr>
             <a:r>
-              <a:rPr lang="en-US" altLang="zh-TW" sz="2400" smtClean="0"/>
+              <a:rPr lang="en-US" altLang="zh-TW" sz="2400"/>
               <a:t>with keyword “false path”</a:t>
             </a:r>
           </a:p>
@@ -14835,7 +14749,7 @@
 </p:sld>
 </file>
 
-<file path=ppt/slides/slide32.xml><?xml version="1.0" encoding="utf-8"?>
+<file path=ppt/slides/slide31.xml><?xml version="1.0" encoding="utf-8"?>
 <p:sld xmlns:a="http://schemas.openxmlformats.org/drawingml/2006/main" xmlns:r="http://schemas.openxmlformats.org/officeDocument/2006/relationships" xmlns:p="http://schemas.openxmlformats.org/presentationml/2006/main">
   <p:cSld>
     <p:spTree>
@@ -14869,7 +14783,7 @@
           <a:p>
             <a:pPr eaLnBrk="1" hangingPunct="1"/>
             <a:r>
-              <a:rPr lang="en-US" altLang="zh-TW" smtClean="0"/>
+              <a:rPr lang="en-US" altLang="zh-TW"/>
               <a:t>Do it yourself</a:t>
             </a:r>
           </a:p>
@@ -14892,18 +14806,18 @@
           <a:p>
             <a:pPr eaLnBrk="1" hangingPunct="1"/>
             <a:r>
-              <a:rPr lang="en-US" altLang="zh-TW" smtClean="0"/>
+              <a:rPr lang="en-US" altLang="zh-TW"/>
               <a:t>Q: How to specify the false path?</a:t>
             </a:r>
           </a:p>
           <a:p>
             <a:pPr eaLnBrk="1" hangingPunct="1"/>
-            <a:endParaRPr lang="en-US" altLang="zh-TW" smtClean="0"/>
+            <a:endParaRPr lang="en-US" altLang="zh-TW"/>
           </a:p>
           <a:p>
             <a:pPr eaLnBrk="1" hangingPunct="1"/>
             <a:r>
-              <a:rPr lang="en-US" altLang="zh-TW" smtClean="0"/>
+              <a:rPr lang="en-US" altLang="zh-TW"/>
               <a:t>check the manual of Synopsys Design Compiler</a:t>
             </a:r>
           </a:p>
@@ -14951,7 +14865,7 @@
           <a:p>
             <a:pPr eaLnBrk="1" hangingPunct="1"/>
             <a:r>
-              <a:rPr lang="en-US" altLang="zh-TW" smtClean="0"/>
+              <a:rPr lang="en-US" altLang="zh-TW"/>
               <a:t>Still this framework</a:t>
             </a:r>
           </a:p>
@@ -15203,7 +15117,7 @@
             <a:graphicData uri="http://schemas.openxmlformats.org/presentationml/2006/ole">
               <mc:AlternateContent xmlns:mc="http://schemas.openxmlformats.org/markup-compatibility/2006">
                 <mc:Choice xmlns:v="urn:schemas-microsoft-com:vml" Requires="v">
-                  <p:oleObj spid="_x0000_s6309" name="方程式" r:id="rId3" imgW="165028" imgH="228501" progId="Equation.3">
+                  <p:oleObj spid="_x0000_s6379" name="方程式" r:id="rId3" imgW="165028" imgH="228501" progId="Equation.3">
                     <p:embed/>
                   </p:oleObj>
                 </mc:Choice>
@@ -15347,7 +15261,7 @@
             <a:graphicData uri="http://schemas.openxmlformats.org/presentationml/2006/ole">
               <mc:AlternateContent xmlns:mc="http://schemas.openxmlformats.org/markup-compatibility/2006">
                 <mc:Choice xmlns:v="urn:schemas-microsoft-com:vml" Requires="v">
-                  <p:oleObj spid="_x0000_s6310" name="方程式" r:id="rId5" imgW="177646" imgH="228402" progId="Equation.3">
+                  <p:oleObj spid="_x0000_s6380" name="方程式" r:id="rId5" imgW="177646" imgH="228402" progId="Equation.3">
                     <p:embed/>
                   </p:oleObj>
                 </mc:Choice>
@@ -15491,7 +15405,7 @@
             <a:graphicData uri="http://schemas.openxmlformats.org/presentationml/2006/ole">
               <mc:AlternateContent xmlns:mc="http://schemas.openxmlformats.org/markup-compatibility/2006">
                 <mc:Choice xmlns:v="urn:schemas-microsoft-com:vml" Requires="v">
-                  <p:oleObj spid="_x0000_s6311" name="方程式" r:id="rId7" imgW="165028" imgH="228501" progId="Equation.3">
+                  <p:oleObj spid="_x0000_s6381" name="方程式" r:id="rId7" imgW="165028" imgH="228501" progId="Equation.3">
                     <p:embed/>
                   </p:oleObj>
                 </mc:Choice>
@@ -15814,7 +15728,7 @@
               <a:graphicData uri="http://schemas.openxmlformats.org/presentationml/2006/ole">
                 <mc:AlternateContent xmlns:mc="http://schemas.openxmlformats.org/markup-compatibility/2006">
                   <mc:Choice xmlns:v="urn:schemas-microsoft-com:vml" Requires="v">
-                    <p:oleObj spid="_x0000_s6312" name="方程式" r:id="rId9" imgW="152268" imgH="215713" progId="Equation.3">
+                    <p:oleObj spid="_x0000_s6382" name="方程式" r:id="rId9" imgW="152268" imgH="215713" progId="Equation.3">
                       <p:embed/>
                     </p:oleObj>
                   </mc:Choice>
@@ -15958,7 +15872,7 @@
               <a:graphicData uri="http://schemas.openxmlformats.org/presentationml/2006/ole">
                 <mc:AlternateContent xmlns:mc="http://schemas.openxmlformats.org/markup-compatibility/2006">
                   <mc:Choice xmlns:v="urn:schemas-microsoft-com:vml" Requires="v">
-                    <p:oleObj spid="_x0000_s6313" name="方程式" r:id="rId11" imgW="164885" imgH="215619" progId="Equation.3">
+                    <p:oleObj spid="_x0000_s6383" name="方程式" r:id="rId11" imgW="164885" imgH="215619" progId="Equation.3">
                       <p:embed/>
                     </p:oleObj>
                   </mc:Choice>
@@ -16102,7 +16016,7 @@
               <a:graphicData uri="http://schemas.openxmlformats.org/presentationml/2006/ole">
                 <mc:AlternateContent xmlns:mc="http://schemas.openxmlformats.org/markup-compatibility/2006">
                   <mc:Choice xmlns:v="urn:schemas-microsoft-com:vml" Requires="v">
-                    <p:oleObj spid="_x0000_s6314" name="方程式" r:id="rId13" imgW="139579" imgH="215713" progId="Equation.3">
+                    <p:oleObj spid="_x0000_s6384" name="方程式" r:id="rId13" imgW="139579" imgH="215713" progId="Equation.3">
                       <p:embed/>
                     </p:oleObj>
                   </mc:Choice>
@@ -16426,7 +16340,7 @@
               <a:graphicData uri="http://schemas.openxmlformats.org/presentationml/2006/ole">
                 <mc:AlternateContent xmlns:mc="http://schemas.openxmlformats.org/markup-compatibility/2006">
                   <mc:Choice xmlns:v="urn:schemas-microsoft-com:vml" Requires="v">
-                    <p:oleObj spid="_x0000_s6315" name="方程式" r:id="rId15" imgW="164885" imgH="215619" progId="Equation.3">
+                    <p:oleObj spid="_x0000_s6385" name="方程式" r:id="rId15" imgW="164885" imgH="215619" progId="Equation.3">
                       <p:embed/>
                     </p:oleObj>
                   </mc:Choice>
@@ -16570,7 +16484,7 @@
               <a:graphicData uri="http://schemas.openxmlformats.org/presentationml/2006/ole">
                 <mc:AlternateContent xmlns:mc="http://schemas.openxmlformats.org/markup-compatibility/2006">
                   <mc:Choice xmlns:v="urn:schemas-microsoft-com:vml" Requires="v">
-                    <p:oleObj spid="_x0000_s6316" name="方程式" r:id="rId17" imgW="177569" imgH="215619" progId="Equation.3">
+                    <p:oleObj spid="_x0000_s6386" name="方程式" r:id="rId17" imgW="177569" imgH="215619" progId="Equation.3">
                       <p:embed/>
                     </p:oleObj>
                   </mc:Choice>
@@ -16714,7 +16628,7 @@
               <a:graphicData uri="http://schemas.openxmlformats.org/presentationml/2006/ole">
                 <mc:AlternateContent xmlns:mc="http://schemas.openxmlformats.org/markup-compatibility/2006">
                   <mc:Choice xmlns:v="urn:schemas-microsoft-com:vml" Requires="v">
-                    <p:oleObj spid="_x0000_s6317" name="方程式" r:id="rId19" imgW="164885" imgH="215619" progId="Equation.3">
+                    <p:oleObj spid="_x0000_s6387" name="方程式" r:id="rId19" imgW="164885" imgH="215619" progId="Equation.3">
                       <p:embed/>
                     </p:oleObj>
                   </mc:Choice>
@@ -17038,7 +16952,7 @@
               <a:graphicData uri="http://schemas.openxmlformats.org/presentationml/2006/ole">
                 <mc:AlternateContent xmlns:mc="http://schemas.openxmlformats.org/markup-compatibility/2006">
                   <mc:Choice xmlns:v="urn:schemas-microsoft-com:vml" Requires="v">
-                    <p:oleObj spid="_x0000_s6318" name="方程式" r:id="rId21" imgW="152334" imgH="228501" progId="Equation.3">
+                    <p:oleObj spid="_x0000_s6388" name="方程式" r:id="rId21" imgW="152334" imgH="228501" progId="Equation.3">
                       <p:embed/>
                     </p:oleObj>
                   </mc:Choice>
@@ -17182,7 +17096,7 @@
               <a:graphicData uri="http://schemas.openxmlformats.org/presentationml/2006/ole">
                 <mc:AlternateContent xmlns:mc="http://schemas.openxmlformats.org/markup-compatibility/2006">
                   <mc:Choice xmlns:v="urn:schemas-microsoft-com:vml" Requires="v">
-                    <p:oleObj spid="_x0000_s6319" name="方程式" r:id="rId23" imgW="165028" imgH="228501" progId="Equation.3">
+                    <p:oleObj spid="_x0000_s6389" name="方程式" r:id="rId23" imgW="165028" imgH="228501" progId="Equation.3">
                       <p:embed/>
                     </p:oleObj>
                   </mc:Choice>
@@ -17326,7 +17240,7 @@
               <a:graphicData uri="http://schemas.openxmlformats.org/presentationml/2006/ole">
                 <mc:AlternateContent xmlns:mc="http://schemas.openxmlformats.org/markup-compatibility/2006">
                   <mc:Choice xmlns:v="urn:schemas-microsoft-com:vml" Requires="v">
-                    <p:oleObj spid="_x0000_s6320" name="方程式" r:id="rId25" imgW="139700" imgH="228600" progId="Equation.3">
+                    <p:oleObj spid="_x0000_s6390" name="方程式" r:id="rId25" imgW="139700" imgH="228600" progId="Equation.3">
                       <p:embed/>
                     </p:oleObj>
                   </mc:Choice>
@@ -17650,7 +17564,7 @@
               <a:graphicData uri="http://schemas.openxmlformats.org/presentationml/2006/ole">
                 <mc:AlternateContent xmlns:mc="http://schemas.openxmlformats.org/markup-compatibility/2006">
                   <mc:Choice xmlns:v="urn:schemas-microsoft-com:vml" Requires="v">
-                    <p:oleObj spid="_x0000_s6321" name="方程式" r:id="rId27" imgW="241300" imgH="228600" progId="Equation.3">
+                    <p:oleObj spid="_x0000_s6391" name="方程式" r:id="rId27" imgW="241300" imgH="228600" progId="Equation.3">
                       <p:embed/>
                     </p:oleObj>
                   </mc:Choice>
@@ -17794,7 +17708,7 @@
               <a:graphicData uri="http://schemas.openxmlformats.org/presentationml/2006/ole">
                 <mc:AlternateContent xmlns:mc="http://schemas.openxmlformats.org/markup-compatibility/2006">
                   <mc:Choice xmlns:v="urn:schemas-microsoft-com:vml" Requires="v">
-                    <p:oleObj spid="_x0000_s6322" name="方程式" r:id="rId29" imgW="253890" imgH="228501" progId="Equation.3">
+                    <p:oleObj spid="_x0000_s6392" name="方程式" r:id="rId29" imgW="253890" imgH="228501" progId="Equation.3">
                       <p:embed/>
                     </p:oleObj>
                   </mc:Choice>
@@ -17938,7 +17852,7 @@
               <a:graphicData uri="http://schemas.openxmlformats.org/presentationml/2006/ole">
                 <mc:AlternateContent xmlns:mc="http://schemas.openxmlformats.org/markup-compatibility/2006">
                   <mc:Choice xmlns:v="urn:schemas-microsoft-com:vml" Requires="v">
-                    <p:oleObj spid="_x0000_s6323" name="方程式" r:id="rId31" imgW="228600" imgH="228600" progId="Equation.3">
+                    <p:oleObj spid="_x0000_s6393" name="方程式" r:id="rId31" imgW="228600" imgH="228600" progId="Equation.3">
                       <p:embed/>
                     </p:oleObj>
                   </mc:Choice>
@@ -18595,7 +18509,7 @@
               <a:graphicData uri="http://schemas.openxmlformats.org/presentationml/2006/ole">
                 <mc:AlternateContent xmlns:mc="http://schemas.openxmlformats.org/markup-compatibility/2006">
                   <mc:Choice xmlns:v="urn:schemas-microsoft-com:vml" Requires="v">
-                    <p:oleObj spid="_x0000_s6324" name="方程式" r:id="rId33" imgW="241300" imgH="228600" progId="Equation.3">
+                    <p:oleObj spid="_x0000_s6394" name="方程式" r:id="rId33" imgW="241300" imgH="228600" progId="Equation.3">
                       <p:embed/>
                     </p:oleObj>
                   </mc:Choice>
@@ -18739,7 +18653,7 @@
               <a:graphicData uri="http://schemas.openxmlformats.org/presentationml/2006/ole">
                 <mc:AlternateContent xmlns:mc="http://schemas.openxmlformats.org/markup-compatibility/2006">
                   <mc:Choice xmlns:v="urn:schemas-microsoft-com:vml" Requires="v">
-                    <p:oleObj spid="_x0000_s6325" name="方程式" r:id="rId35" imgW="253890" imgH="228501" progId="Equation.3">
+                    <p:oleObj spid="_x0000_s6395" name="方程式" r:id="rId35" imgW="253890" imgH="228501" progId="Equation.3">
                       <p:embed/>
                     </p:oleObj>
                   </mc:Choice>
@@ -18832,7 +18746,7 @@
               <a:graphicData uri="http://schemas.openxmlformats.org/presentationml/2006/ole">
                 <mc:AlternateContent xmlns:mc="http://schemas.openxmlformats.org/markup-compatibility/2006">
                   <mc:Choice xmlns:v="urn:schemas-microsoft-com:vml" Requires="v">
-                    <p:oleObj spid="_x0000_s6326" name="方程式" r:id="rId37" imgW="253890" imgH="228501" progId="Equation.3">
+                    <p:oleObj spid="_x0000_s6396" name="方程式" r:id="rId37" imgW="253890" imgH="228501" progId="Equation.3">
                       <p:embed/>
                     </p:oleObj>
                   </mc:Choice>
@@ -18925,7 +18839,7 @@
               <a:graphicData uri="http://schemas.openxmlformats.org/presentationml/2006/ole">
                 <mc:AlternateContent xmlns:mc="http://schemas.openxmlformats.org/markup-compatibility/2006">
                   <mc:Choice xmlns:v="urn:schemas-microsoft-com:vml" Requires="v">
-                    <p:oleObj spid="_x0000_s6327" name="方程式" r:id="rId39" imgW="253890" imgH="228501" progId="Equation.3">
+                    <p:oleObj spid="_x0000_s6397" name="方程式" r:id="rId39" imgW="253890" imgH="228501" progId="Equation.3">
                       <p:embed/>
                     </p:oleObj>
                   </mc:Choice>
@@ -19351,7 +19265,7 @@
               <a:graphicData uri="http://schemas.openxmlformats.org/presentationml/2006/ole">
                 <mc:AlternateContent xmlns:mc="http://schemas.openxmlformats.org/markup-compatibility/2006">
                   <mc:Choice xmlns:v="urn:schemas-microsoft-com:vml" Requires="v">
-                    <p:oleObj spid="_x0000_s6328" name="方程式" r:id="rId41" imgW="152334" imgH="228501" progId="Equation.3">
+                    <p:oleObj spid="_x0000_s6398" name="方程式" r:id="rId41" imgW="152334" imgH="228501" progId="Equation.3">
                       <p:embed/>
                     </p:oleObj>
                   </mc:Choice>
@@ -19495,7 +19409,7 @@
               <a:graphicData uri="http://schemas.openxmlformats.org/presentationml/2006/ole">
                 <mc:AlternateContent xmlns:mc="http://schemas.openxmlformats.org/markup-compatibility/2006">
                   <mc:Choice xmlns:v="urn:schemas-microsoft-com:vml" Requires="v">
-                    <p:oleObj spid="_x0000_s6329" name="方程式" r:id="rId42" imgW="165028" imgH="228501" progId="Equation.3">
+                    <p:oleObj spid="_x0000_s6399" name="方程式" r:id="rId42" imgW="165028" imgH="228501" progId="Equation.3">
                       <p:embed/>
                     </p:oleObj>
                   </mc:Choice>
@@ -19588,7 +19502,7 @@
               <a:graphicData uri="http://schemas.openxmlformats.org/presentationml/2006/ole">
                 <mc:AlternateContent xmlns:mc="http://schemas.openxmlformats.org/markup-compatibility/2006">
                   <mc:Choice xmlns:v="urn:schemas-microsoft-com:vml" Requires="v">
-                    <p:oleObj spid="_x0000_s6330" name="方程式" r:id="rId43" imgW="165028" imgH="228501" progId="Equation.3">
+                    <p:oleObj spid="_x0000_s6400" name="方程式" r:id="rId43" imgW="165028" imgH="228501" progId="Equation.3">
                       <p:embed/>
                     </p:oleObj>
                   </mc:Choice>
@@ -19681,7 +19595,7 @@
               <a:graphicData uri="http://schemas.openxmlformats.org/presentationml/2006/ole">
                 <mc:AlternateContent xmlns:mc="http://schemas.openxmlformats.org/markup-compatibility/2006">
                   <mc:Choice xmlns:v="urn:schemas-microsoft-com:vml" Requires="v">
-                    <p:oleObj spid="_x0000_s6331" name="方程式" r:id="rId45" imgW="177646" imgH="228402" progId="Equation.3">
+                    <p:oleObj spid="_x0000_s6401" name="方程式" r:id="rId45" imgW="177646" imgH="228402" progId="Equation.3">
                       <p:embed/>
                     </p:oleObj>
                   </mc:Choice>
@@ -20107,7 +20021,7 @@
               <a:graphicData uri="http://schemas.openxmlformats.org/presentationml/2006/ole">
                 <mc:AlternateContent xmlns:mc="http://schemas.openxmlformats.org/markup-compatibility/2006">
                   <mc:Choice xmlns:v="urn:schemas-microsoft-com:vml" Requires="v">
-                    <p:oleObj spid="_x0000_s6332" name="方程式" r:id="rId47" imgW="164885" imgH="215619" progId="Equation.3">
+                    <p:oleObj spid="_x0000_s6402" name="方程式" r:id="rId47" imgW="164885" imgH="215619" progId="Equation.3">
                       <p:embed/>
                     </p:oleObj>
                   </mc:Choice>
@@ -20251,7 +20165,7 @@
               <a:graphicData uri="http://schemas.openxmlformats.org/presentationml/2006/ole">
                 <mc:AlternateContent xmlns:mc="http://schemas.openxmlformats.org/markup-compatibility/2006">
                   <mc:Choice xmlns:v="urn:schemas-microsoft-com:vml" Requires="v">
-                    <p:oleObj spid="_x0000_s6333" name="方程式" r:id="rId49" imgW="177569" imgH="215619" progId="Equation.3">
+                    <p:oleObj spid="_x0000_s6403" name="方程式" r:id="rId49" imgW="177569" imgH="215619" progId="Equation.3">
                       <p:embed/>
                     </p:oleObj>
                   </mc:Choice>
@@ -20344,7 +20258,7 @@
               <a:graphicData uri="http://schemas.openxmlformats.org/presentationml/2006/ole">
                 <mc:AlternateContent xmlns:mc="http://schemas.openxmlformats.org/markup-compatibility/2006">
                   <mc:Choice xmlns:v="urn:schemas-microsoft-com:vml" Requires="v">
-                    <p:oleObj spid="_x0000_s6334" name="方程式" r:id="rId51" imgW="190335" imgH="215713" progId="Equation.3">
+                    <p:oleObj spid="_x0000_s6404" name="方程式" r:id="rId51" imgW="190335" imgH="215713" progId="Equation.3">
                       <p:embed/>
                     </p:oleObj>
                   </mc:Choice>
@@ -20437,7 +20351,7 @@
               <a:graphicData uri="http://schemas.openxmlformats.org/presentationml/2006/ole">
                 <mc:AlternateContent xmlns:mc="http://schemas.openxmlformats.org/markup-compatibility/2006">
                   <mc:Choice xmlns:v="urn:schemas-microsoft-com:vml" Requires="v">
-                    <p:oleObj spid="_x0000_s6335" name="方程式" r:id="rId53" imgW="190335" imgH="215713" progId="Equation.3">
+                    <p:oleObj spid="_x0000_s6405" name="方程式" r:id="rId53" imgW="190335" imgH="215713" progId="Equation.3">
                       <p:embed/>
                     </p:oleObj>
                   </mc:Choice>
@@ -20863,7 +20777,7 @@
               <a:graphicData uri="http://schemas.openxmlformats.org/presentationml/2006/ole">
                 <mc:AlternateContent xmlns:mc="http://schemas.openxmlformats.org/markup-compatibility/2006">
                   <mc:Choice xmlns:v="urn:schemas-microsoft-com:vml" Requires="v">
-                    <p:oleObj spid="_x0000_s6336" name="方程式" r:id="rId55" imgW="152268" imgH="215713" progId="Equation.3">
+                    <p:oleObj spid="_x0000_s6406" name="方程式" r:id="rId55" imgW="152268" imgH="215713" progId="Equation.3">
                       <p:embed/>
                     </p:oleObj>
                   </mc:Choice>
@@ -21007,7 +20921,7 @@
               <a:graphicData uri="http://schemas.openxmlformats.org/presentationml/2006/ole">
                 <mc:AlternateContent xmlns:mc="http://schemas.openxmlformats.org/markup-compatibility/2006">
                   <mc:Choice xmlns:v="urn:schemas-microsoft-com:vml" Requires="v">
-                    <p:oleObj spid="_x0000_s6337" name="方程式" r:id="rId57" imgW="164885" imgH="215619" progId="Equation.3">
+                    <p:oleObj spid="_x0000_s6407" name="方程式" r:id="rId57" imgW="164885" imgH="215619" progId="Equation.3">
                       <p:embed/>
                     </p:oleObj>
                   </mc:Choice>
@@ -21100,7 +21014,7 @@
               <a:graphicData uri="http://schemas.openxmlformats.org/presentationml/2006/ole">
                 <mc:AlternateContent xmlns:mc="http://schemas.openxmlformats.org/markup-compatibility/2006">
                   <mc:Choice xmlns:v="urn:schemas-microsoft-com:vml" Requires="v">
-                    <p:oleObj spid="_x0000_s6338" name="方程式" r:id="rId59" imgW="164885" imgH="215619" progId="Equation.3">
+                    <p:oleObj spid="_x0000_s6408" name="方程式" r:id="rId59" imgW="164885" imgH="215619" progId="Equation.3">
                       <p:embed/>
                     </p:oleObj>
                   </mc:Choice>
@@ -21193,7 +21107,7 @@
               <a:graphicData uri="http://schemas.openxmlformats.org/presentationml/2006/ole">
                 <mc:AlternateContent xmlns:mc="http://schemas.openxmlformats.org/markup-compatibility/2006">
                   <mc:Choice xmlns:v="urn:schemas-microsoft-com:vml" Requires="v">
-                    <p:oleObj spid="_x0000_s6339" name="方程式" r:id="rId61" imgW="177569" imgH="215619" progId="Equation.3">
+                    <p:oleObj spid="_x0000_s6409" name="方程式" r:id="rId61" imgW="177569" imgH="215619" progId="Equation.3">
                       <p:embed/>
                     </p:oleObj>
                   </mc:Choice>
@@ -21619,7 +21533,7 @@
               <a:graphicData uri="http://schemas.openxmlformats.org/presentationml/2006/ole">
                 <mc:AlternateContent xmlns:mc="http://schemas.openxmlformats.org/markup-compatibility/2006">
                   <mc:Choice xmlns:v="urn:schemas-microsoft-com:vml" Requires="v">
-                    <p:oleObj spid="_x0000_s6340" name="方程式" r:id="rId63" imgW="165028" imgH="228501" progId="Equation.3">
+                    <p:oleObj spid="_x0000_s6410" name="方程式" r:id="rId63" imgW="165028" imgH="228501" progId="Equation.3">
                       <p:embed/>
                     </p:oleObj>
                   </mc:Choice>
@@ -21763,7 +21677,7 @@
               <a:graphicData uri="http://schemas.openxmlformats.org/presentationml/2006/ole">
                 <mc:AlternateContent xmlns:mc="http://schemas.openxmlformats.org/markup-compatibility/2006">
                   <mc:Choice xmlns:v="urn:schemas-microsoft-com:vml" Requires="v">
-                    <p:oleObj spid="_x0000_s6341" name="方程式" r:id="rId65" imgW="177646" imgH="228402" progId="Equation.3">
+                    <p:oleObj spid="_x0000_s6411" name="方程式" r:id="rId65" imgW="177646" imgH="228402" progId="Equation.3">
                       <p:embed/>
                     </p:oleObj>
                   </mc:Choice>
@@ -21856,7 +21770,7 @@
               <a:graphicData uri="http://schemas.openxmlformats.org/presentationml/2006/ole">
                 <mc:AlternateContent xmlns:mc="http://schemas.openxmlformats.org/markup-compatibility/2006">
                   <mc:Choice xmlns:v="urn:schemas-microsoft-com:vml" Requires="v">
-                    <p:oleObj spid="_x0000_s6342" name="方程式" r:id="rId67" imgW="190500" imgH="228600" progId="Equation.3">
+                    <p:oleObj spid="_x0000_s6412" name="方程式" r:id="rId67" imgW="190500" imgH="228600" progId="Equation.3">
                       <p:embed/>
                     </p:oleObj>
                   </mc:Choice>
@@ -21949,7 +21863,7 @@
               <a:graphicData uri="http://schemas.openxmlformats.org/presentationml/2006/ole">
                 <mc:AlternateContent xmlns:mc="http://schemas.openxmlformats.org/markup-compatibility/2006">
                   <mc:Choice xmlns:v="urn:schemas-microsoft-com:vml" Requires="v">
-                    <p:oleObj spid="_x0000_s6343" name="方程式" r:id="rId69" imgW="190500" imgH="228600" progId="Equation.3">
+                    <p:oleObj spid="_x0000_s6413" name="方程式" r:id="rId69" imgW="190500" imgH="228600" progId="Equation.3">
                       <p:embed/>
                     </p:oleObj>
                   </mc:Choice>
@@ -22135,13 +22049,6 @@
   <p:clrMapOvr>
     <a:masterClrMapping/>
   </p:clrMapOvr>
-  <p:timing>
-    <p:tnLst>
-      <p:par>
-        <p:cTn id="1" dur="indefinite" restart="never" nodeType="tmRoot"/>
-      </p:par>
-    </p:tnLst>
-  </p:timing>
 </p:sld>
 </file>
 
@@ -22179,7 +22086,7 @@
           <a:p>
             <a:pPr eaLnBrk="1" hangingPunct="1"/>
             <a:r>
-              <a:rPr lang="en-US" altLang="zh-TW" smtClean="0"/>
+              <a:rPr lang="en-US" altLang="zh-TW"/>
               <a:t>Carry generation with recurrence relation</a:t>
             </a:r>
           </a:p>
@@ -26055,7 +25962,7 @@
           <a:graphicData uri="http://schemas.openxmlformats.org/presentationml/2006/ole">
             <mc:AlternateContent xmlns:mc="http://schemas.openxmlformats.org/markup-compatibility/2006">
               <mc:Choice xmlns:v="urn:schemas-microsoft-com:vml" Requires="v">
-                <p:oleObj spid="_x0000_s7216" name="方程式" r:id="rId3" imgW="952087" imgH="228501" progId="Equation.3">
+                <p:oleObj spid="_x0000_s7218" name="方程式" r:id="rId3" imgW="952087" imgH="228501" progId="Equation.3">
                   <p:embed/>
                 </p:oleObj>
               </mc:Choice>
@@ -26340,7 +26247,7 @@
           <a:p>
             <a:pPr eaLnBrk="1" hangingPunct="1"/>
             <a:r>
-              <a:rPr lang="en-US" altLang="zh-TW" smtClean="0"/>
+              <a:rPr lang="en-US" altLang="zh-TW"/>
               <a:t>Carry-generation with recurrence relation</a:t>
             </a:r>
           </a:p>
@@ -26372,7 +26279,7 @@
               </a:lnSpc>
             </a:pPr>
             <a:r>
-              <a:rPr lang="en-US" altLang="zh-TW" sz="2800" smtClean="0"/>
+              <a:rPr lang="en-US" altLang="zh-TW" sz="2800"/>
               <a:t>gate-level design:</a:t>
             </a:r>
           </a:p>
@@ -30089,7 +29996,7 @@
           <a:graphicData uri="http://schemas.openxmlformats.org/presentationml/2006/ole">
             <mc:AlternateContent xmlns:mc="http://schemas.openxmlformats.org/markup-compatibility/2006">
               <mc:Choice xmlns:v="urn:schemas-microsoft-com:vml" Requires="v">
-                <p:oleObj spid="_x0000_s8243" r:id="rId3" imgW="5181600" imgH="942975" progId="MSDraw.Drawing.8.2">
+                <p:oleObj spid="_x0000_s8247" r:id="rId3" imgW="5181600" imgH="942975" progId="MSDraw.Drawing.8.2">
                   <p:embed/>
                 </p:oleObj>
               </mc:Choice>
@@ -30331,7 +30238,7 @@
           <a:graphicData uri="http://schemas.openxmlformats.org/presentationml/2006/ole">
             <mc:AlternateContent xmlns:mc="http://schemas.openxmlformats.org/markup-compatibility/2006">
               <mc:Choice xmlns:v="urn:schemas-microsoft-com:vml" Requires="v">
-                <p:oleObj spid="_x0000_s8244" name="方程式" r:id="rId5" imgW="952087" imgH="228501" progId="Equation.3">
+                <p:oleObj spid="_x0000_s8248" name="方程式" r:id="rId5" imgW="952087" imgH="228501" progId="Equation.3">
                   <p:embed/>
                 </p:oleObj>
               </mc:Choice>
@@ -30450,7 +30357,7 @@
           <a:p>
             <a:pPr eaLnBrk="1" hangingPunct="1"/>
             <a:r>
-              <a:rPr lang="en-US" altLang="zh-TW" smtClean="0"/>
+              <a:rPr lang="en-US" altLang="zh-TW"/>
               <a:t>Carry-generation with recurrence relation</a:t>
             </a:r>
           </a:p>
@@ -30482,7 +30389,7 @@
               </a:lnSpc>
             </a:pPr>
             <a:r>
-              <a:rPr lang="en-US" altLang="zh-TW" sz="2800" smtClean="0"/>
+              <a:rPr lang="en-US" altLang="zh-TW" sz="2800"/>
               <a:t>gate-level design:</a:t>
             </a:r>
           </a:p>
@@ -34199,7 +34106,7 @@
           <a:graphicData uri="http://schemas.openxmlformats.org/presentationml/2006/ole">
             <mc:AlternateContent xmlns:mc="http://schemas.openxmlformats.org/markup-compatibility/2006">
               <mc:Choice xmlns:v="urn:schemas-microsoft-com:vml" Requires="v">
-                <p:oleObj spid="_x0000_s9268" r:id="rId3" imgW="5181600" imgH="942975" progId="MSDraw.Drawing.8.2">
+                <p:oleObj spid="_x0000_s9272" r:id="rId3" imgW="5181600" imgH="942975" progId="MSDraw.Drawing.8.2">
                   <p:embed/>
                 </p:oleObj>
               </mc:Choice>
@@ -34441,7 +34348,7 @@
           <a:graphicData uri="http://schemas.openxmlformats.org/presentationml/2006/ole">
             <mc:AlternateContent xmlns:mc="http://schemas.openxmlformats.org/markup-compatibility/2006">
               <mc:Choice xmlns:v="urn:schemas-microsoft-com:vml" Requires="v">
-                <p:oleObj spid="_x0000_s9269" name="方程式" r:id="rId5" imgW="952087" imgH="228501" progId="Equation.3">
+                <p:oleObj spid="_x0000_s9273" name="方程式" r:id="rId5" imgW="952087" imgH="228501" progId="Equation.3">
                   <p:embed/>
                 </p:oleObj>
               </mc:Choice>
@@ -34735,7 +34642,7 @@
           <a:p>
             <a:pPr eaLnBrk="1" hangingPunct="1"/>
             <a:r>
-              <a:rPr lang="en-US" altLang="zh-TW" smtClean="0"/>
+              <a:rPr lang="en-US" altLang="zh-TW"/>
               <a:t>Observation from your daily life</a:t>
             </a:r>
           </a:p>
@@ -34763,7 +34670,7 @@
           <a:p>
             <a:pPr eaLnBrk="1" hangingPunct="1"/>
             <a:r>
-              <a:rPr lang="en-US" altLang="zh-TW" sz="2800" smtClean="0"/>
+              <a:rPr lang="en-US" altLang="zh-TW" sz="2800"/>
               <a:t>what will you do if you got blocked on the street?</a:t>
             </a:r>
           </a:p>
@@ -34785,7 +34692,7 @@
           <a:graphicData uri="http://schemas.openxmlformats.org/presentationml/2006/ole">
             <mc:AlternateContent xmlns:mc="http://schemas.openxmlformats.org/markup-compatibility/2006">
               <mc:Choice xmlns:v="urn:schemas-microsoft-com:vml" Requires="v">
-                <p:oleObj spid="_x0000_s10247" r:id="rId3" imgW="5486400" imgH="1600200" progId="MSDraw.Drawing.8.2">
+                <p:oleObj spid="_x0000_s10249" r:id="rId3" imgW="5486400" imgH="1600200" progId="MSDraw.Drawing.8.2">
                   <p:embed/>
                 </p:oleObj>
               </mc:Choice>
@@ -34894,7 +34801,7 @@
           <a:p>
             <a:pPr eaLnBrk="1" hangingPunct="1"/>
             <a:r>
-              <a:rPr lang="en-US" altLang="zh-TW" smtClean="0"/>
+              <a:rPr lang="en-US" altLang="zh-TW"/>
               <a:t>Scheme of the carry-skip adder</a:t>
             </a:r>
           </a:p>
@@ -35255,7 +35162,7 @@
           <a:graphicData uri="http://schemas.openxmlformats.org/presentationml/2006/ole">
             <mc:AlternateContent xmlns:mc="http://schemas.openxmlformats.org/markup-compatibility/2006">
               <mc:Choice xmlns:v="urn:schemas-microsoft-com:vml" Requires="v">
-                <p:oleObj spid="_x0000_s11272" r:id="rId3" imgW="5600700" imgH="2143125" progId="MSDraw.Drawing.8.2">
+                <p:oleObj spid="_x0000_s11274" r:id="rId3" imgW="5600700" imgH="2143125" progId="MSDraw.Drawing.8.2">
                   <p:embed/>
                 </p:oleObj>
               </mc:Choice>
